--- a/markdown/image/セキュアプロトコル.pptx
+++ b/markdown/image/セキュアプロトコル.pptx
@@ -243,7 +243,7 @@
           <a:p>
             <a:fld id="{532A4F77-269C-4FF4-9A54-EEB5F46EB5D7}" type="datetimeFigureOut">
               <a:rPr kumimoji="1" lang="ja-JP" altLang="en-US" smtClean="0"/>
-              <a:t>2019/9/8</a:t>
+              <a:t>2019/10/6</a:t>
             </a:fld>
             <a:endParaRPr kumimoji="1" lang="ja-JP" altLang="en-US"/>
           </a:p>
@@ -445,7 +445,7 @@
           <a:p>
             <a:fld id="{532A4F77-269C-4FF4-9A54-EEB5F46EB5D7}" type="datetimeFigureOut">
               <a:rPr kumimoji="1" lang="ja-JP" altLang="en-US" smtClean="0"/>
-              <a:t>2019/9/8</a:t>
+              <a:t>2019/10/6</a:t>
             </a:fld>
             <a:endParaRPr kumimoji="1" lang="ja-JP" altLang="en-US"/>
           </a:p>
@@ -657,7 +657,7 @@
           <a:p>
             <a:fld id="{532A4F77-269C-4FF4-9A54-EEB5F46EB5D7}" type="datetimeFigureOut">
               <a:rPr kumimoji="1" lang="ja-JP" altLang="en-US" smtClean="0"/>
-              <a:t>2019/9/8</a:t>
+              <a:t>2019/10/6</a:t>
             </a:fld>
             <a:endParaRPr kumimoji="1" lang="ja-JP" altLang="en-US"/>
           </a:p>
@@ -859,7 +859,7 @@
           <a:p>
             <a:fld id="{532A4F77-269C-4FF4-9A54-EEB5F46EB5D7}" type="datetimeFigureOut">
               <a:rPr kumimoji="1" lang="ja-JP" altLang="en-US" smtClean="0"/>
-              <a:t>2019/9/8</a:t>
+              <a:t>2019/10/6</a:t>
             </a:fld>
             <a:endParaRPr kumimoji="1" lang="ja-JP" altLang="en-US"/>
           </a:p>
@@ -1105,7 +1105,7 @@
           <a:p>
             <a:fld id="{532A4F77-269C-4FF4-9A54-EEB5F46EB5D7}" type="datetimeFigureOut">
               <a:rPr kumimoji="1" lang="ja-JP" altLang="en-US" smtClean="0"/>
-              <a:t>2019/9/8</a:t>
+              <a:t>2019/10/6</a:t>
             </a:fld>
             <a:endParaRPr kumimoji="1" lang="ja-JP" altLang="en-US"/>
           </a:p>
@@ -1401,7 +1401,7 @@
           <a:p>
             <a:fld id="{532A4F77-269C-4FF4-9A54-EEB5F46EB5D7}" type="datetimeFigureOut">
               <a:rPr kumimoji="1" lang="ja-JP" altLang="en-US" smtClean="0"/>
-              <a:t>2019/9/8</a:t>
+              <a:t>2019/10/6</a:t>
             </a:fld>
             <a:endParaRPr kumimoji="1" lang="ja-JP" altLang="en-US"/>
           </a:p>
@@ -1832,7 +1832,7 @@
           <a:p>
             <a:fld id="{532A4F77-269C-4FF4-9A54-EEB5F46EB5D7}" type="datetimeFigureOut">
               <a:rPr kumimoji="1" lang="ja-JP" altLang="en-US" smtClean="0"/>
-              <a:t>2019/9/8</a:t>
+              <a:t>2019/10/6</a:t>
             </a:fld>
             <a:endParaRPr kumimoji="1" lang="ja-JP" altLang="en-US"/>
           </a:p>
@@ -1950,7 +1950,7 @@
           <a:p>
             <a:fld id="{532A4F77-269C-4FF4-9A54-EEB5F46EB5D7}" type="datetimeFigureOut">
               <a:rPr kumimoji="1" lang="ja-JP" altLang="en-US" smtClean="0"/>
-              <a:t>2019/9/8</a:t>
+              <a:t>2019/10/6</a:t>
             </a:fld>
             <a:endParaRPr kumimoji="1" lang="ja-JP" altLang="en-US"/>
           </a:p>
@@ -2045,7 +2045,7 @@
           <a:p>
             <a:fld id="{532A4F77-269C-4FF4-9A54-EEB5F46EB5D7}" type="datetimeFigureOut">
               <a:rPr kumimoji="1" lang="ja-JP" altLang="en-US" smtClean="0"/>
-              <a:t>2019/9/8</a:t>
+              <a:t>2019/10/6</a:t>
             </a:fld>
             <a:endParaRPr kumimoji="1" lang="ja-JP" altLang="en-US"/>
           </a:p>
@@ -2354,7 +2354,7 @@
           <a:p>
             <a:fld id="{532A4F77-269C-4FF4-9A54-EEB5F46EB5D7}" type="datetimeFigureOut">
               <a:rPr kumimoji="1" lang="ja-JP" altLang="en-US" smtClean="0"/>
-              <a:t>2019/9/8</a:t>
+              <a:t>2019/10/6</a:t>
             </a:fld>
             <a:endParaRPr kumimoji="1" lang="ja-JP" altLang="en-US"/>
           </a:p>
@@ -2607,7 +2607,7 @@
           <a:p>
             <a:fld id="{532A4F77-269C-4FF4-9A54-EEB5F46EB5D7}" type="datetimeFigureOut">
               <a:rPr kumimoji="1" lang="ja-JP" altLang="en-US" smtClean="0"/>
-              <a:t>2019/9/8</a:t>
+              <a:t>2019/10/6</a:t>
             </a:fld>
             <a:endParaRPr kumimoji="1" lang="ja-JP" altLang="en-US"/>
           </a:p>
@@ -2852,7 +2852,7 @@
           <a:p>
             <a:fld id="{532A4F77-269C-4FF4-9A54-EEB5F46EB5D7}" type="datetimeFigureOut">
               <a:rPr kumimoji="1" lang="ja-JP" altLang="en-US" smtClean="0"/>
-              <a:t>2019/9/8</a:t>
+              <a:t>2019/10/6</a:t>
             </a:fld>
             <a:endParaRPr kumimoji="1" lang="ja-JP" altLang="en-US"/>
           </a:p>
@@ -3303,7 +3303,7 @@
         </p:nvGrpSpPr>
         <p:grpSpPr>
           <a:xfrm>
-            <a:off x="2281129" y="-1557928"/>
+            <a:off x="2835717" y="-7022898"/>
             <a:ext cx="11538709" cy="6292465"/>
             <a:chOff x="-185116" y="363730"/>
             <a:chExt cx="11538709" cy="6292465"/>
@@ -3527,10 +3527,10 @@
           </p:nvGrpSpPr>
           <p:grpSpPr>
             <a:xfrm>
-              <a:off x="8792305" y="439417"/>
-              <a:ext cx="2561288" cy="6115758"/>
-              <a:chOff x="8792305" y="439417"/>
-              <a:chExt cx="2561288" cy="6115758"/>
+              <a:off x="8795924" y="408638"/>
+              <a:ext cx="2557669" cy="6146537"/>
+              <a:chOff x="8795924" y="408638"/>
+              <a:chExt cx="2557669" cy="6146537"/>
             </a:xfrm>
           </p:grpSpPr>
           <p:sp>
@@ -3900,8 +3900,8 @@
             </p:nvSpPr>
             <p:spPr>
               <a:xfrm>
-                <a:off x="8795924" y="439417"/>
-                <a:ext cx="2557669" cy="584775"/>
+                <a:off x="8795924" y="408638"/>
+                <a:ext cx="2557669" cy="646331"/>
               </a:xfrm>
               <a:prstGeom prst="rect">
                 <a:avLst/>
@@ -3919,49 +3919,86 @@
               <a:p>
                 <a:pPr algn="ctr"/>
                 <a:r>
-                  <a:rPr lang="ja-JP" altLang="en-US" sz="1600" b="1" smtClean="0">
+                  <a:rPr lang="ja-JP" altLang="en-US" b="1">
                     <a:latin typeface="游ゴシック" panose="020B0400000000000000" pitchFamily="50" charset="-128"/>
                     <a:ea typeface="游ゴシック" panose="020B0400000000000000" pitchFamily="50" charset="-128"/>
                   </a:rPr>
-                  <a:t>ヘッダ情報が追加される</a:t>
+                  <a:t>各プロトコルが</a:t>
                 </a:r>
                 <a:r>
-                  <a:rPr lang="en-US" altLang="ja-JP" sz="1600" b="1" smtClean="0">
+                  <a:rPr lang="en-US" altLang="ja-JP" b="1">
                     <a:latin typeface="游ゴシック" panose="020B0400000000000000" pitchFamily="50" charset="-128"/>
                     <a:ea typeface="游ゴシック" panose="020B0400000000000000" pitchFamily="50" charset="-128"/>
                   </a:rPr>
                   <a:t/>
                 </a:r>
                 <a:br>
-                  <a:rPr lang="en-US" altLang="ja-JP" sz="1600" b="1" smtClean="0">
+                  <a:rPr lang="en-US" altLang="ja-JP" b="1">
                     <a:latin typeface="游ゴシック" panose="020B0400000000000000" pitchFamily="50" charset="-128"/>
                     <a:ea typeface="游ゴシック" panose="020B0400000000000000" pitchFamily="50" charset="-128"/>
                   </a:rPr>
                 </a:br>
                 <a:r>
-                  <a:rPr lang="ja-JP" altLang="en-US" sz="1600" b="1">
+                  <a:rPr lang="ja-JP" altLang="en-US" b="1">
                     <a:latin typeface="游ゴシック" panose="020B0400000000000000" pitchFamily="50" charset="-128"/>
                     <a:ea typeface="游ゴシック" panose="020B0400000000000000" pitchFamily="50" charset="-128"/>
                   </a:rPr>
-                  <a:t>場所</a:t>
+                  <a:t>用いられる</a:t>
                 </a:r>
-                <a:endParaRPr kumimoji="1" lang="ja-JP" altLang="en-US" sz="1600" b="1">
+                <a:r>
+                  <a:rPr lang="ja-JP" altLang="en-US" b="1" smtClean="0">
+                    <a:latin typeface="游ゴシック" panose="020B0400000000000000" pitchFamily="50" charset="-128"/>
+                    <a:ea typeface="游ゴシック" panose="020B0400000000000000" pitchFamily="50" charset="-128"/>
+                  </a:rPr>
+                  <a:t>階層</a:t>
+                </a:r>
+                <a:endParaRPr lang="ja-JP" altLang="en-US" b="1">
                   <a:latin typeface="游ゴシック" panose="020B0400000000000000" pitchFamily="50" charset="-128"/>
                   <a:ea typeface="游ゴシック" panose="020B0400000000000000" pitchFamily="50" charset="-128"/>
                 </a:endParaRPr>
               </a:p>
             </p:txBody>
           </p:sp>
+        </p:grpSp>
+      </p:grpSp>
+      <p:grpSp>
+        <p:nvGrpSpPr>
+          <p:cNvPr id="73" name="Group 72"/>
+          <p:cNvGrpSpPr/>
+          <p:nvPr/>
+        </p:nvGrpSpPr>
+        <p:grpSpPr>
+          <a:xfrm>
+            <a:off x="-1255512" y="8395564"/>
+            <a:ext cx="15320421" cy="6292465"/>
+            <a:chOff x="-945995" y="6427426"/>
+            <a:chExt cx="15320421" cy="6292465"/>
+          </a:xfrm>
+        </p:grpSpPr>
+        <p:grpSp>
+          <p:nvGrpSpPr>
+            <p:cNvPr id="23" name="グループ化 22"/>
+            <p:cNvGrpSpPr/>
+            <p:nvPr/>
+          </p:nvGrpSpPr>
+          <p:grpSpPr>
+            <a:xfrm>
+              <a:off x="11816757" y="6472335"/>
+              <a:ext cx="2557669" cy="6146536"/>
+              <a:chOff x="8795924" y="408639"/>
+              <a:chExt cx="2557669" cy="6146536"/>
+            </a:xfrm>
+          </p:grpSpPr>
           <p:sp>
             <p:nvSpPr>
-              <p:cNvPr id="33" name="テキスト ボックス 32"/>
+              <p:cNvPr id="5" name="テキスト ボックス 4"/>
               <p:cNvSpPr txBox="1"/>
               <p:nvPr/>
             </p:nvSpPr>
             <p:spPr>
               <a:xfrm>
-                <a:off x="8792305" y="1566995"/>
-                <a:ext cx="2561288" cy="323165"/>
+                <a:off x="8795924" y="2528960"/>
+                <a:ext cx="2557669" cy="553998"/>
               </a:xfrm>
               <a:prstGeom prst="rect">
                 <a:avLst/>
@@ -3981,24 +4018,43 @@
               <a:p>
                 <a:pPr algn="ctr"/>
                 <a:r>
-                  <a:rPr lang="ja-JP" altLang="en-US" sz="1500" b="1">
+                  <a:rPr kumimoji="1" lang="ja-JP" altLang="en-US" sz="1500" b="1" smtClean="0">
                     <a:solidFill>
                       <a:schemeClr val="bg1"/>
                     </a:solidFill>
                     <a:latin typeface="游ゴシック" panose="020B0400000000000000" pitchFamily="50" charset="-128"/>
                     <a:ea typeface="游ゴシック" panose="020B0400000000000000" pitchFamily="50" charset="-128"/>
                   </a:rPr>
-                  <a:t>作成</a:t>
+                  <a:t>通信アプリケーション</a:t>
                 </a:r>
                 <a:r>
-                  <a:rPr lang="ja-JP" altLang="en-US" sz="1500" b="1" smtClean="0">
+                  <a:rPr kumimoji="1" lang="en-US" altLang="ja-JP" sz="1500" b="1" smtClean="0">
                     <a:solidFill>
                       <a:schemeClr val="bg1"/>
                     </a:solidFill>
                     <a:latin typeface="游ゴシック" panose="020B0400000000000000" pitchFamily="50" charset="-128"/>
                     <a:ea typeface="游ゴシック" panose="020B0400000000000000" pitchFamily="50" charset="-128"/>
                   </a:rPr>
-                  <a:t>されたデータ</a:t>
+                  <a:t/>
+                </a:r>
+                <a:br>
+                  <a:rPr kumimoji="1" lang="en-US" altLang="ja-JP" sz="1500" b="1" smtClean="0">
+                    <a:solidFill>
+                      <a:schemeClr val="bg1"/>
+                    </a:solidFill>
+                    <a:latin typeface="游ゴシック" panose="020B0400000000000000" pitchFamily="50" charset="-128"/>
+                    <a:ea typeface="游ゴシック" panose="020B0400000000000000" pitchFamily="50" charset="-128"/>
+                  </a:rPr>
+                </a:br>
+                <a:r>
+                  <a:rPr kumimoji="1" lang="ja-JP" altLang="en-US" sz="1500" b="1" smtClean="0">
+                    <a:solidFill>
+                      <a:schemeClr val="bg1"/>
+                    </a:solidFill>
+                    <a:latin typeface="游ゴシック" panose="020B0400000000000000" pitchFamily="50" charset="-128"/>
+                    <a:ea typeface="游ゴシック" panose="020B0400000000000000" pitchFamily="50" charset="-128"/>
+                  </a:rPr>
+                  <a:t>プログラム</a:t>
                 </a:r>
                 <a:endParaRPr kumimoji="1" lang="ja-JP" altLang="en-US" sz="1500" b="1">
                   <a:solidFill>
@@ -4010,738 +4066,362 @@
               </a:p>
             </p:txBody>
           </p:sp>
-        </p:grpSp>
-      </p:grpSp>
-      <p:grpSp>
-        <p:nvGrpSpPr>
-          <p:cNvPr id="53" name="グループ化 52"/>
-          <p:cNvGrpSpPr/>
-          <p:nvPr/>
-        </p:nvGrpSpPr>
-        <p:grpSpPr>
-          <a:xfrm>
-            <a:off x="-691375" y="3830426"/>
-            <a:ext cx="15320421" cy="6292465"/>
-            <a:chOff x="-3128421" y="5273535"/>
-            <a:chExt cx="15320421" cy="6292465"/>
-          </a:xfrm>
-        </p:grpSpPr>
-        <p:grpSp>
-          <p:nvGrpSpPr>
-            <p:cNvPr id="24" name="グループ化 23"/>
-            <p:cNvGrpSpPr/>
-            <p:nvPr/>
-          </p:nvGrpSpPr>
-          <p:grpSpPr>
-            <a:xfrm>
-              <a:off x="653291" y="5273535"/>
-              <a:ext cx="11538709" cy="6292465"/>
-              <a:chOff x="-185116" y="363730"/>
-              <a:chExt cx="11538709" cy="6292465"/>
-            </a:xfrm>
-          </p:grpSpPr>
-          <p:grpSp>
-            <p:nvGrpSpPr>
-              <p:cNvPr id="20" name="グループ化 19"/>
-              <p:cNvGrpSpPr/>
+          <p:sp>
+            <p:nvSpPr>
+              <p:cNvPr id="6" name="テキスト ボックス 5"/>
+              <p:cNvSpPr txBox="1"/>
               <p:nvPr/>
-            </p:nvGrpSpPr>
-            <p:grpSpPr>
+            </p:nvSpPr>
+            <p:spPr>
               <a:xfrm>
-                <a:off x="-185116" y="363730"/>
-                <a:ext cx="9024316" cy="6292465"/>
-                <a:chOff x="-185116" y="363730"/>
-                <a:chExt cx="9024316" cy="6292465"/>
+                <a:off x="8795924" y="4260560"/>
+                <a:ext cx="2557669" cy="553998"/>
               </a:xfrm>
-            </p:grpSpPr>
-            <p:pic>
-              <p:nvPicPr>
-                <p:cNvPr id="4" name="図 3"/>
-                <p:cNvPicPr>
-                  <a:picLocks noChangeAspect="1"/>
-                </p:cNvPicPr>
-                <p:nvPr/>
-              </p:nvPicPr>
-              <p:blipFill>
-                <a:blip r:embed="rId2">
-                  <a:extLst>
-                    <a:ext uri="{28A0092B-C50C-407E-A947-70E740481C1C}">
-                      <a14:useLocalDpi xmlns:a14="http://schemas.microsoft.com/office/drawing/2010/main" val="0"/>
-                    </a:ext>
-                  </a:extLst>
-                </a:blip>
-                <a:stretch>
-                  <a:fillRect/>
-                </a:stretch>
-              </p:blipFill>
-              <p:spPr>
-                <a:xfrm>
-                  <a:off x="-185116" y="363730"/>
-                  <a:ext cx="9024316" cy="6292465"/>
-                </a:xfrm>
-                <a:prstGeom prst="rect">
-                  <a:avLst/>
-                </a:prstGeom>
-              </p:spPr>
-            </p:pic>
-            <p:sp>
-              <p:nvSpPr>
-                <p:cNvPr id="14" name="テキスト ボックス 13"/>
-                <p:cNvSpPr txBox="1"/>
-                <p:nvPr/>
-              </p:nvSpPr>
-              <p:spPr>
-                <a:xfrm>
-                  <a:off x="-185116" y="2482794"/>
-                  <a:ext cx="1927954" cy="646331"/>
-                </a:xfrm>
-                <a:prstGeom prst="rect">
-                  <a:avLst/>
-                </a:prstGeom>
-                <a:solidFill>
-                  <a:schemeClr val="bg1"/>
-                </a:solidFill>
-                <a:ln w="38100">
-                  <a:noFill/>
-                </a:ln>
-              </p:spPr>
-              <p:txBody>
-                <a:bodyPr wrap="square" rtlCol="0" anchor="ctr">
-                  <a:spAutoFit/>
-                </a:bodyPr>
-                <a:lstStyle/>
-                <a:p>
-                  <a:pPr algn="ctr"/>
-                  <a:r>
-                    <a:rPr kumimoji="1" lang="ja-JP" altLang="en-US" sz="1200" b="1" smtClean="0">
-                      <a:latin typeface="游ゴシック" panose="020B0400000000000000" pitchFamily="50" charset="-128"/>
-                      <a:ea typeface="游ゴシック" panose="020B0400000000000000" pitchFamily="50" charset="-128"/>
-                    </a:rPr>
-                    <a:t>・アプリケーション層</a:t>
-                  </a:r>
-                  <a:r>
-                    <a:rPr kumimoji="1" lang="en-US" altLang="ja-JP" sz="1200" b="1" smtClean="0">
-                      <a:latin typeface="游ゴシック" panose="020B0400000000000000" pitchFamily="50" charset="-128"/>
-                      <a:ea typeface="游ゴシック" panose="020B0400000000000000" pitchFamily="50" charset="-128"/>
-                    </a:rPr>
-                    <a:t/>
-                  </a:r>
-                  <a:br>
-                    <a:rPr kumimoji="1" lang="en-US" altLang="ja-JP" sz="1200" b="1" smtClean="0">
-                      <a:latin typeface="游ゴシック" panose="020B0400000000000000" pitchFamily="50" charset="-128"/>
-                      <a:ea typeface="游ゴシック" panose="020B0400000000000000" pitchFamily="50" charset="-128"/>
-                    </a:rPr>
-                  </a:br>
-                  <a:r>
-                    <a:rPr kumimoji="1" lang="ja-JP" altLang="en-US" sz="1200" b="1" smtClean="0">
-                      <a:latin typeface="游ゴシック" panose="020B0400000000000000" pitchFamily="50" charset="-128"/>
-                      <a:ea typeface="游ゴシック" panose="020B0400000000000000" pitchFamily="50" charset="-128"/>
-                    </a:rPr>
-                    <a:t>・プレゼンテーション層</a:t>
-                  </a:r>
-                  <a:r>
-                    <a:rPr kumimoji="1" lang="en-US" altLang="ja-JP" sz="1200" b="1" smtClean="0">
-                      <a:latin typeface="游ゴシック" panose="020B0400000000000000" pitchFamily="50" charset="-128"/>
-                      <a:ea typeface="游ゴシック" panose="020B0400000000000000" pitchFamily="50" charset="-128"/>
-                    </a:rPr>
-                    <a:t/>
-                  </a:r>
-                  <a:br>
-                    <a:rPr kumimoji="1" lang="en-US" altLang="ja-JP" sz="1200" b="1" smtClean="0">
-                      <a:latin typeface="游ゴシック" panose="020B0400000000000000" pitchFamily="50" charset="-128"/>
-                      <a:ea typeface="游ゴシック" panose="020B0400000000000000" pitchFamily="50" charset="-128"/>
-                    </a:rPr>
-                  </a:br>
-                  <a:r>
-                    <a:rPr kumimoji="1" lang="ja-JP" altLang="en-US" sz="1200" b="1" smtClean="0">
-                      <a:latin typeface="游ゴシック" panose="020B0400000000000000" pitchFamily="50" charset="-128"/>
-                      <a:ea typeface="游ゴシック" panose="020B0400000000000000" pitchFamily="50" charset="-128"/>
-                    </a:rPr>
-                    <a:t>・セッション層</a:t>
-                  </a:r>
-                  <a:endParaRPr kumimoji="1" lang="ja-JP" altLang="en-US" sz="1200" b="1">
-                    <a:latin typeface="游ゴシック" panose="020B0400000000000000" pitchFamily="50" charset="-128"/>
-                    <a:ea typeface="游ゴシック" panose="020B0400000000000000" pitchFamily="50" charset="-128"/>
-                  </a:endParaRPr>
-                </a:p>
-              </p:txBody>
-            </p:sp>
-            <p:sp>
-              <p:nvSpPr>
-                <p:cNvPr id="15" name="テキスト ボックス 14"/>
-                <p:cNvSpPr txBox="1"/>
-                <p:nvPr/>
-              </p:nvSpPr>
-              <p:spPr>
-                <a:xfrm>
-                  <a:off x="-58614" y="6001177"/>
-                  <a:ext cx="1801452" cy="553998"/>
-                </a:xfrm>
-                <a:prstGeom prst="rect">
-                  <a:avLst/>
-                </a:prstGeom>
-                <a:solidFill>
-                  <a:schemeClr val="bg1"/>
-                </a:solidFill>
-                <a:ln w="38100">
-                  <a:noFill/>
-                </a:ln>
-              </p:spPr>
-              <p:txBody>
-                <a:bodyPr wrap="square" rtlCol="0" anchor="ctr">
-                  <a:spAutoFit/>
-                </a:bodyPr>
-                <a:lstStyle/>
-                <a:p>
-                  <a:pPr algn="ctr"/>
-                  <a:r>
-                    <a:rPr lang="ja-JP" altLang="en-US" sz="1500" b="1" smtClean="0">
-                      <a:latin typeface="游ゴシック" panose="020B0400000000000000" pitchFamily="50" charset="-128"/>
-                      <a:ea typeface="游ゴシック" panose="020B0400000000000000" pitchFamily="50" charset="-128"/>
-                    </a:rPr>
-                    <a:t>・データリンク</a:t>
-                  </a:r>
-                  <a:r>
-                    <a:rPr kumimoji="1" lang="ja-JP" altLang="en-US" sz="1500" b="1" smtClean="0">
-                      <a:latin typeface="游ゴシック" panose="020B0400000000000000" pitchFamily="50" charset="-128"/>
-                      <a:ea typeface="游ゴシック" panose="020B0400000000000000" pitchFamily="50" charset="-128"/>
-                    </a:rPr>
-                    <a:t>層</a:t>
-                  </a:r>
-                  <a:r>
-                    <a:rPr kumimoji="1" lang="en-US" altLang="ja-JP" sz="1500" b="1" smtClean="0">
-                      <a:latin typeface="游ゴシック" panose="020B0400000000000000" pitchFamily="50" charset="-128"/>
-                      <a:ea typeface="游ゴシック" panose="020B0400000000000000" pitchFamily="50" charset="-128"/>
-                    </a:rPr>
-                    <a:t/>
-                  </a:r>
-                  <a:br>
-                    <a:rPr kumimoji="1" lang="en-US" altLang="ja-JP" sz="1500" b="1" smtClean="0">
-                      <a:latin typeface="游ゴシック" panose="020B0400000000000000" pitchFamily="50" charset="-128"/>
-                      <a:ea typeface="游ゴシック" panose="020B0400000000000000" pitchFamily="50" charset="-128"/>
-                    </a:rPr>
-                  </a:br>
-                  <a:r>
-                    <a:rPr kumimoji="1" lang="ja-JP" altLang="en-US" sz="1500" b="1" smtClean="0">
-                      <a:latin typeface="游ゴシック" panose="020B0400000000000000" pitchFamily="50" charset="-128"/>
-                      <a:ea typeface="游ゴシック" panose="020B0400000000000000" pitchFamily="50" charset="-128"/>
-                    </a:rPr>
-                    <a:t>・</a:t>
-                  </a:r>
-                  <a:r>
-                    <a:rPr lang="ja-JP" altLang="en-US" sz="1500" b="1" smtClean="0">
-                      <a:latin typeface="游ゴシック" panose="020B0400000000000000" pitchFamily="50" charset="-128"/>
-                      <a:ea typeface="游ゴシック" panose="020B0400000000000000" pitchFamily="50" charset="-128"/>
-                    </a:rPr>
-                    <a:t>物理</a:t>
-                  </a:r>
-                  <a:r>
-                    <a:rPr kumimoji="1" lang="ja-JP" altLang="en-US" sz="1500" b="1" smtClean="0">
-                      <a:latin typeface="游ゴシック" panose="020B0400000000000000" pitchFamily="50" charset="-128"/>
-                      <a:ea typeface="游ゴシック" panose="020B0400000000000000" pitchFamily="50" charset="-128"/>
-                    </a:rPr>
-                    <a:t>層</a:t>
-                  </a:r>
-                  <a:endParaRPr kumimoji="1" lang="ja-JP" altLang="en-US" sz="1500" b="1">
-                    <a:latin typeface="游ゴシック" panose="020B0400000000000000" pitchFamily="50" charset="-128"/>
-                    <a:ea typeface="游ゴシック" panose="020B0400000000000000" pitchFamily="50" charset="-128"/>
-                  </a:endParaRPr>
-                </a:p>
-              </p:txBody>
-            </p:sp>
-          </p:grpSp>
-          <p:grpSp>
-            <p:nvGrpSpPr>
-              <p:cNvPr id="23" name="グループ化 22"/>
-              <p:cNvGrpSpPr/>
+              <a:prstGeom prst="rect">
+                <a:avLst/>
+              </a:prstGeom>
+              <a:solidFill>
+                <a:schemeClr val="tx1"/>
+              </a:solidFill>
+              <a:ln w="38100">
+                <a:noFill/>
+              </a:ln>
+            </p:spPr>
+            <p:txBody>
+              <a:bodyPr wrap="square" rtlCol="0" anchor="ctr">
+                <a:spAutoFit/>
+              </a:bodyPr>
+              <a:lstStyle/>
+              <a:p>
+                <a:pPr algn="ctr"/>
+                <a:r>
+                  <a:rPr lang="ja-JP" altLang="en-US" sz="1500" b="1" smtClean="0">
+                    <a:solidFill>
+                      <a:schemeClr val="bg1"/>
+                    </a:solidFill>
+                    <a:latin typeface="游ゴシック" panose="020B0400000000000000" pitchFamily="50" charset="-128"/>
+                    <a:ea typeface="游ゴシック" panose="020B0400000000000000" pitchFamily="50" charset="-128"/>
+                  </a:rPr>
+                  <a:t>カーネル</a:t>
+                </a:r>
+                <a:r>
+                  <a:rPr lang="en-US" altLang="ja-JP" sz="1500" b="1" smtClean="0">
+                    <a:solidFill>
+                      <a:schemeClr val="bg1"/>
+                    </a:solidFill>
+                    <a:latin typeface="游ゴシック" panose="020B0400000000000000" pitchFamily="50" charset="-128"/>
+                    <a:ea typeface="游ゴシック" panose="020B0400000000000000" pitchFamily="50" charset="-128"/>
+                  </a:rPr>
+                  <a:t/>
+                </a:r>
+                <a:br>
+                  <a:rPr lang="en-US" altLang="ja-JP" sz="1500" b="1" smtClean="0">
+                    <a:solidFill>
+                      <a:schemeClr val="bg1"/>
+                    </a:solidFill>
+                    <a:latin typeface="游ゴシック" panose="020B0400000000000000" pitchFamily="50" charset="-128"/>
+                    <a:ea typeface="游ゴシック" panose="020B0400000000000000" pitchFamily="50" charset="-128"/>
+                  </a:rPr>
+                </a:br>
+                <a:r>
+                  <a:rPr lang="ja-JP" altLang="en-US" sz="1500" b="1" smtClean="0">
+                    <a:solidFill>
+                      <a:schemeClr val="bg1"/>
+                    </a:solidFill>
+                    <a:latin typeface="游ゴシック" panose="020B0400000000000000" pitchFamily="50" charset="-128"/>
+                    <a:ea typeface="游ゴシック" panose="020B0400000000000000" pitchFamily="50" charset="-128"/>
+                  </a:rPr>
+                  <a:t>（</a:t>
+                </a:r>
+                <a:r>
+                  <a:rPr lang="en-US" altLang="ja-JP" sz="1500" b="1" smtClean="0">
+                    <a:solidFill>
+                      <a:schemeClr val="bg1"/>
+                    </a:solidFill>
+                    <a:latin typeface="游ゴシック" panose="020B0400000000000000" pitchFamily="50" charset="-128"/>
+                    <a:ea typeface="游ゴシック" panose="020B0400000000000000" pitchFamily="50" charset="-128"/>
+                  </a:rPr>
+                  <a:t>OS</a:t>
+                </a:r>
+                <a:r>
+                  <a:rPr lang="ja-JP" altLang="en-US" sz="1500" b="1" smtClean="0">
+                    <a:solidFill>
+                      <a:schemeClr val="bg1"/>
+                    </a:solidFill>
+                    <a:latin typeface="游ゴシック" panose="020B0400000000000000" pitchFamily="50" charset="-128"/>
+                    <a:ea typeface="游ゴシック" panose="020B0400000000000000" pitchFamily="50" charset="-128"/>
+                  </a:rPr>
+                  <a:t>の制御プログラム）</a:t>
+                </a:r>
+                <a:endParaRPr kumimoji="1" lang="ja-JP" altLang="en-US" sz="1500" b="1">
+                  <a:solidFill>
+                    <a:schemeClr val="bg1"/>
+                  </a:solidFill>
+                  <a:latin typeface="游ゴシック" panose="020B0400000000000000" pitchFamily="50" charset="-128"/>
+                  <a:ea typeface="游ゴシック" panose="020B0400000000000000" pitchFamily="50" charset="-128"/>
+                </a:endParaRPr>
+              </a:p>
+            </p:txBody>
+          </p:sp>
+          <p:sp>
+            <p:nvSpPr>
+              <p:cNvPr id="7" name="テキスト ボックス 6"/>
+              <p:cNvSpPr txBox="1"/>
               <p:nvPr/>
-            </p:nvGrpSpPr>
-            <p:grpSpPr>
+            </p:nvSpPr>
+            <p:spPr>
               <a:xfrm>
-                <a:off x="8795924" y="439417"/>
-                <a:ext cx="2557669" cy="6115758"/>
-                <a:chOff x="8795924" y="439417"/>
-                <a:chExt cx="2557669" cy="6115758"/>
+                <a:off x="8795924" y="6001177"/>
+                <a:ext cx="2557669" cy="553998"/>
               </a:xfrm>
-            </p:grpSpPr>
-            <p:sp>
-              <p:nvSpPr>
-                <p:cNvPr id="5" name="テキスト ボックス 4"/>
-                <p:cNvSpPr txBox="1"/>
-                <p:nvPr/>
-              </p:nvSpPr>
-              <p:spPr>
-                <a:xfrm>
-                  <a:off x="8795924" y="2528960"/>
-                  <a:ext cx="2557669" cy="553998"/>
-                </a:xfrm>
-                <a:prstGeom prst="rect">
-                  <a:avLst/>
-                </a:prstGeom>
+              <a:prstGeom prst="rect">
+                <a:avLst/>
+              </a:prstGeom>
+              <a:solidFill>
+                <a:schemeClr val="tx1"/>
+              </a:solidFill>
+              <a:ln w="38100">
+                <a:noFill/>
+              </a:ln>
+            </p:spPr>
+            <p:txBody>
+              <a:bodyPr wrap="square" rtlCol="0" anchor="ctr">
+                <a:spAutoFit/>
+              </a:bodyPr>
+              <a:lstStyle/>
+              <a:p>
+                <a:pPr algn="ctr"/>
+                <a:r>
+                  <a:rPr lang="ja-JP" altLang="en-US" sz="1500" b="1" smtClean="0">
+                    <a:solidFill>
+                      <a:schemeClr val="bg1"/>
+                    </a:solidFill>
+                    <a:latin typeface="游ゴシック" panose="020B0400000000000000" pitchFamily="50" charset="-128"/>
+                    <a:ea typeface="游ゴシック" panose="020B0400000000000000" pitchFamily="50" charset="-128"/>
+                  </a:rPr>
+                  <a:t>・デバイスドライバ</a:t>
+                </a:r>
+                <a:r>
+                  <a:rPr lang="en-US" altLang="ja-JP" sz="1500" b="1" smtClean="0">
+                    <a:solidFill>
+                      <a:schemeClr val="bg1"/>
+                    </a:solidFill>
+                    <a:latin typeface="游ゴシック" panose="020B0400000000000000" pitchFamily="50" charset="-128"/>
+                    <a:ea typeface="游ゴシック" panose="020B0400000000000000" pitchFamily="50" charset="-128"/>
+                  </a:rPr>
+                  <a:t/>
+                </a:r>
+                <a:br>
+                  <a:rPr lang="en-US" altLang="ja-JP" sz="1500" b="1" smtClean="0">
+                    <a:solidFill>
+                      <a:schemeClr val="bg1"/>
+                    </a:solidFill>
+                    <a:latin typeface="游ゴシック" panose="020B0400000000000000" pitchFamily="50" charset="-128"/>
+                    <a:ea typeface="游ゴシック" panose="020B0400000000000000" pitchFamily="50" charset="-128"/>
+                  </a:rPr>
+                </a:br>
+                <a:r>
+                  <a:rPr lang="ja-JP" altLang="en-US" sz="1500" b="1" smtClean="0">
+                    <a:solidFill>
+                      <a:schemeClr val="bg1"/>
+                    </a:solidFill>
+                    <a:latin typeface="游ゴシック" panose="020B0400000000000000" pitchFamily="50" charset="-128"/>
+                    <a:ea typeface="游ゴシック" panose="020B0400000000000000" pitchFamily="50" charset="-128"/>
+                  </a:rPr>
+                  <a:t>・ファームウェア</a:t>
+                </a:r>
+                <a:endParaRPr kumimoji="1" lang="ja-JP" altLang="en-US" sz="1500" b="1">
+                  <a:solidFill>
+                    <a:schemeClr val="bg1"/>
+                  </a:solidFill>
+                  <a:latin typeface="游ゴシック" panose="020B0400000000000000" pitchFamily="50" charset="-128"/>
+                  <a:ea typeface="游ゴシック" panose="020B0400000000000000" pitchFamily="50" charset="-128"/>
+                </a:endParaRPr>
+              </a:p>
+            </p:txBody>
+          </p:sp>
+          <p:cxnSp>
+            <p:nvCxnSpPr>
+              <p:cNvPr id="9" name="直線コネクタ 8"/>
+              <p:cNvCxnSpPr/>
+              <p:nvPr/>
+            </p:nvCxnSpPr>
+            <p:spPr>
+              <a:xfrm>
+                <a:off x="8842306" y="3181211"/>
+                <a:ext cx="2464904" cy="0"/>
+              </a:xfrm>
+              <a:prstGeom prst="line">
+                <a:avLst/>
+              </a:prstGeom>
+              <a:ln w="57150">
                 <a:solidFill>
                   <a:schemeClr val="tx1"/>
                 </a:solidFill>
-                <a:ln w="38100">
-                  <a:noFill/>
-                </a:ln>
-              </p:spPr>
-              <p:txBody>
-                <a:bodyPr wrap="square" rtlCol="0" anchor="ctr">
-                  <a:spAutoFit/>
-                </a:bodyPr>
-                <a:lstStyle/>
-                <a:p>
-                  <a:pPr algn="ctr"/>
-                  <a:r>
-                    <a:rPr kumimoji="1" lang="ja-JP" altLang="en-US" sz="1500" b="1" smtClean="0">
-                      <a:solidFill>
-                        <a:schemeClr val="bg1"/>
-                      </a:solidFill>
-                      <a:latin typeface="游ゴシック" panose="020B0400000000000000" pitchFamily="50" charset="-128"/>
-                      <a:ea typeface="游ゴシック" panose="020B0400000000000000" pitchFamily="50" charset="-128"/>
-                    </a:rPr>
-                    <a:t>通信アプリケーション</a:t>
-                  </a:r>
-                  <a:r>
-                    <a:rPr kumimoji="1" lang="en-US" altLang="ja-JP" sz="1500" b="1" smtClean="0">
-                      <a:solidFill>
-                        <a:schemeClr val="bg1"/>
-                      </a:solidFill>
-                      <a:latin typeface="游ゴシック" panose="020B0400000000000000" pitchFamily="50" charset="-128"/>
-                      <a:ea typeface="游ゴシック" panose="020B0400000000000000" pitchFamily="50" charset="-128"/>
-                    </a:rPr>
-                    <a:t/>
-                  </a:r>
-                  <a:br>
-                    <a:rPr kumimoji="1" lang="en-US" altLang="ja-JP" sz="1500" b="1" smtClean="0">
-                      <a:solidFill>
-                        <a:schemeClr val="bg1"/>
-                      </a:solidFill>
-                      <a:latin typeface="游ゴシック" panose="020B0400000000000000" pitchFamily="50" charset="-128"/>
-                      <a:ea typeface="游ゴシック" panose="020B0400000000000000" pitchFamily="50" charset="-128"/>
-                    </a:rPr>
-                  </a:br>
-                  <a:r>
-                    <a:rPr kumimoji="1" lang="ja-JP" altLang="en-US" sz="1500" b="1" smtClean="0">
-                      <a:solidFill>
-                        <a:schemeClr val="bg1"/>
-                      </a:solidFill>
-                      <a:latin typeface="游ゴシック" panose="020B0400000000000000" pitchFamily="50" charset="-128"/>
-                      <a:ea typeface="游ゴシック" panose="020B0400000000000000" pitchFamily="50" charset="-128"/>
-                    </a:rPr>
-                    <a:t>プログラム</a:t>
-                  </a:r>
-                  <a:endParaRPr kumimoji="1" lang="ja-JP" altLang="en-US" sz="1500" b="1">
-                    <a:solidFill>
-                      <a:schemeClr val="bg1"/>
-                    </a:solidFill>
-                    <a:latin typeface="游ゴシック" panose="020B0400000000000000" pitchFamily="50" charset="-128"/>
-                    <a:ea typeface="游ゴシック" panose="020B0400000000000000" pitchFamily="50" charset="-128"/>
-                  </a:endParaRPr>
-                </a:p>
-              </p:txBody>
-            </p:sp>
-            <p:sp>
-              <p:nvSpPr>
-                <p:cNvPr id="6" name="テキスト ボックス 5"/>
-                <p:cNvSpPr txBox="1"/>
-                <p:nvPr/>
-              </p:nvSpPr>
-              <p:spPr>
-                <a:xfrm>
-                  <a:off x="8795924" y="4260560"/>
-                  <a:ext cx="2557669" cy="553998"/>
-                </a:xfrm>
-                <a:prstGeom prst="rect">
-                  <a:avLst/>
-                </a:prstGeom>
+                <a:prstDash val="dash"/>
+              </a:ln>
+            </p:spPr>
+            <p:style>
+              <a:lnRef idx="1">
+                <a:schemeClr val="accent1"/>
+              </a:lnRef>
+              <a:fillRef idx="0">
+                <a:schemeClr val="accent1"/>
+              </a:fillRef>
+              <a:effectRef idx="0">
+                <a:schemeClr val="accent1"/>
+              </a:effectRef>
+              <a:fontRef idx="minor">
+                <a:schemeClr val="tx1"/>
+              </a:fontRef>
+            </p:style>
+          </p:cxnSp>
+          <p:cxnSp>
+            <p:nvCxnSpPr>
+              <p:cNvPr id="11" name="直線コネクタ 10"/>
+              <p:cNvCxnSpPr/>
+              <p:nvPr/>
+            </p:nvCxnSpPr>
+            <p:spPr>
+              <a:xfrm>
+                <a:off x="8842306" y="2415745"/>
+                <a:ext cx="2464904" cy="0"/>
+              </a:xfrm>
+              <a:prstGeom prst="line">
+                <a:avLst/>
+              </a:prstGeom>
+              <a:ln w="57150">
                 <a:solidFill>
                   <a:schemeClr val="tx1"/>
                 </a:solidFill>
-                <a:ln w="38100">
-                  <a:noFill/>
-                </a:ln>
-              </p:spPr>
-              <p:txBody>
-                <a:bodyPr wrap="square" rtlCol="0" anchor="ctr">
-                  <a:spAutoFit/>
-                </a:bodyPr>
-                <a:lstStyle/>
-                <a:p>
-                  <a:pPr algn="ctr"/>
-                  <a:r>
-                    <a:rPr lang="ja-JP" altLang="en-US" sz="1500" b="1" smtClean="0">
-                      <a:solidFill>
-                        <a:schemeClr val="bg1"/>
-                      </a:solidFill>
-                      <a:latin typeface="游ゴシック" panose="020B0400000000000000" pitchFamily="50" charset="-128"/>
-                      <a:ea typeface="游ゴシック" panose="020B0400000000000000" pitchFamily="50" charset="-128"/>
-                    </a:rPr>
-                    <a:t>カーネル</a:t>
-                  </a:r>
-                  <a:r>
-                    <a:rPr lang="en-US" altLang="ja-JP" sz="1500" b="1" smtClean="0">
-                      <a:solidFill>
-                        <a:schemeClr val="bg1"/>
-                      </a:solidFill>
-                      <a:latin typeface="游ゴシック" panose="020B0400000000000000" pitchFamily="50" charset="-128"/>
-                      <a:ea typeface="游ゴシック" panose="020B0400000000000000" pitchFamily="50" charset="-128"/>
-                    </a:rPr>
-                    <a:t/>
-                  </a:r>
-                  <a:br>
-                    <a:rPr lang="en-US" altLang="ja-JP" sz="1500" b="1" smtClean="0">
-                      <a:solidFill>
-                        <a:schemeClr val="bg1"/>
-                      </a:solidFill>
-                      <a:latin typeface="游ゴシック" panose="020B0400000000000000" pitchFamily="50" charset="-128"/>
-                      <a:ea typeface="游ゴシック" panose="020B0400000000000000" pitchFamily="50" charset="-128"/>
-                    </a:rPr>
-                  </a:br>
-                  <a:r>
-                    <a:rPr lang="ja-JP" altLang="en-US" sz="1500" b="1" smtClean="0">
-                      <a:solidFill>
-                        <a:schemeClr val="bg1"/>
-                      </a:solidFill>
-                      <a:latin typeface="游ゴシック" panose="020B0400000000000000" pitchFamily="50" charset="-128"/>
-                      <a:ea typeface="游ゴシック" panose="020B0400000000000000" pitchFamily="50" charset="-128"/>
-                    </a:rPr>
-                    <a:t>（</a:t>
-                  </a:r>
-                  <a:r>
-                    <a:rPr lang="en-US" altLang="ja-JP" sz="1500" b="1" smtClean="0">
-                      <a:solidFill>
-                        <a:schemeClr val="bg1"/>
-                      </a:solidFill>
-                      <a:latin typeface="游ゴシック" panose="020B0400000000000000" pitchFamily="50" charset="-128"/>
-                      <a:ea typeface="游ゴシック" panose="020B0400000000000000" pitchFamily="50" charset="-128"/>
-                    </a:rPr>
-                    <a:t>OS</a:t>
-                  </a:r>
-                  <a:r>
-                    <a:rPr lang="ja-JP" altLang="en-US" sz="1500" b="1" smtClean="0">
-                      <a:solidFill>
-                        <a:schemeClr val="bg1"/>
-                      </a:solidFill>
-                      <a:latin typeface="游ゴシック" panose="020B0400000000000000" pitchFamily="50" charset="-128"/>
-                      <a:ea typeface="游ゴシック" panose="020B0400000000000000" pitchFamily="50" charset="-128"/>
-                    </a:rPr>
-                    <a:t>の制御プログラム）</a:t>
-                  </a:r>
-                  <a:endParaRPr kumimoji="1" lang="ja-JP" altLang="en-US" sz="1500" b="1">
-                    <a:solidFill>
-                      <a:schemeClr val="bg1"/>
-                    </a:solidFill>
-                    <a:latin typeface="游ゴシック" panose="020B0400000000000000" pitchFamily="50" charset="-128"/>
-                    <a:ea typeface="游ゴシック" panose="020B0400000000000000" pitchFamily="50" charset="-128"/>
-                  </a:endParaRPr>
-                </a:p>
-              </p:txBody>
-            </p:sp>
-            <p:sp>
-              <p:nvSpPr>
-                <p:cNvPr id="7" name="テキスト ボックス 6"/>
-                <p:cNvSpPr txBox="1"/>
-                <p:nvPr/>
-              </p:nvSpPr>
-              <p:spPr>
-                <a:xfrm>
-                  <a:off x="8795924" y="6001177"/>
-                  <a:ext cx="2557669" cy="553998"/>
-                </a:xfrm>
-                <a:prstGeom prst="rect">
-                  <a:avLst/>
-                </a:prstGeom>
+                <a:prstDash val="dash"/>
+              </a:ln>
+            </p:spPr>
+            <p:style>
+              <a:lnRef idx="1">
+                <a:schemeClr val="accent1"/>
+              </a:lnRef>
+              <a:fillRef idx="0">
+                <a:schemeClr val="accent1"/>
+              </a:fillRef>
+              <a:effectRef idx="0">
+                <a:schemeClr val="accent1"/>
+              </a:effectRef>
+              <a:fontRef idx="minor">
+                <a:schemeClr val="tx1"/>
+              </a:fontRef>
+            </p:style>
+          </p:cxnSp>
+          <p:cxnSp>
+            <p:nvCxnSpPr>
+              <p:cNvPr id="12" name="直線コネクタ 11"/>
+              <p:cNvCxnSpPr/>
+              <p:nvPr/>
+            </p:nvCxnSpPr>
+            <p:spPr>
+              <a:xfrm>
+                <a:off x="8842306" y="5897907"/>
+                <a:ext cx="2464904" cy="0"/>
+              </a:xfrm>
+              <a:prstGeom prst="line">
+                <a:avLst/>
+              </a:prstGeom>
+              <a:ln w="57150">
                 <a:solidFill>
                   <a:schemeClr val="tx1"/>
                 </a:solidFill>
-                <a:ln w="38100">
-                  <a:noFill/>
-                </a:ln>
-              </p:spPr>
-              <p:txBody>
-                <a:bodyPr wrap="square" rtlCol="0" anchor="ctr">
-                  <a:spAutoFit/>
-                </a:bodyPr>
-                <a:lstStyle/>
-                <a:p>
-                  <a:pPr algn="ctr"/>
-                  <a:r>
-                    <a:rPr lang="ja-JP" altLang="en-US" sz="1500" b="1" smtClean="0">
-                      <a:solidFill>
-                        <a:schemeClr val="bg1"/>
-                      </a:solidFill>
-                      <a:latin typeface="游ゴシック" panose="020B0400000000000000" pitchFamily="50" charset="-128"/>
-                      <a:ea typeface="游ゴシック" panose="020B0400000000000000" pitchFamily="50" charset="-128"/>
-                    </a:rPr>
-                    <a:t>・デバイスドライバ</a:t>
-                  </a:r>
-                  <a:r>
-                    <a:rPr lang="en-US" altLang="ja-JP" sz="1500" b="1" smtClean="0">
-                      <a:solidFill>
-                        <a:schemeClr val="bg1"/>
-                      </a:solidFill>
-                      <a:latin typeface="游ゴシック" panose="020B0400000000000000" pitchFamily="50" charset="-128"/>
-                      <a:ea typeface="游ゴシック" panose="020B0400000000000000" pitchFamily="50" charset="-128"/>
-                    </a:rPr>
-                    <a:t/>
-                  </a:r>
-                  <a:br>
-                    <a:rPr lang="en-US" altLang="ja-JP" sz="1500" b="1" smtClean="0">
-                      <a:solidFill>
-                        <a:schemeClr val="bg1"/>
-                      </a:solidFill>
-                      <a:latin typeface="游ゴシック" panose="020B0400000000000000" pitchFamily="50" charset="-128"/>
-                      <a:ea typeface="游ゴシック" panose="020B0400000000000000" pitchFamily="50" charset="-128"/>
-                    </a:rPr>
-                  </a:br>
-                  <a:r>
-                    <a:rPr lang="ja-JP" altLang="en-US" sz="1500" b="1" smtClean="0">
-                      <a:solidFill>
-                        <a:schemeClr val="bg1"/>
-                      </a:solidFill>
-                      <a:latin typeface="游ゴシック" panose="020B0400000000000000" pitchFamily="50" charset="-128"/>
-                      <a:ea typeface="游ゴシック" panose="020B0400000000000000" pitchFamily="50" charset="-128"/>
-                    </a:rPr>
-                    <a:t>・ファームウェア</a:t>
-                  </a:r>
-                  <a:endParaRPr kumimoji="1" lang="ja-JP" altLang="en-US" sz="1500" b="1">
-                    <a:solidFill>
-                      <a:schemeClr val="bg1"/>
-                    </a:solidFill>
-                    <a:latin typeface="游ゴシック" panose="020B0400000000000000" pitchFamily="50" charset="-128"/>
-                    <a:ea typeface="游ゴシック" panose="020B0400000000000000" pitchFamily="50" charset="-128"/>
-                  </a:endParaRPr>
-                </a:p>
-              </p:txBody>
-            </p:sp>
-            <p:cxnSp>
-              <p:nvCxnSpPr>
-                <p:cNvPr id="9" name="直線コネクタ 8"/>
-                <p:cNvCxnSpPr/>
-                <p:nvPr/>
-              </p:nvCxnSpPr>
-              <p:spPr>
-                <a:xfrm>
-                  <a:off x="8842306" y="3181211"/>
-                  <a:ext cx="2464904" cy="0"/>
-                </a:xfrm>
-                <a:prstGeom prst="line">
-                  <a:avLst/>
-                </a:prstGeom>
-                <a:ln w="57150">
-                  <a:solidFill>
-                    <a:schemeClr val="tx1"/>
-                  </a:solidFill>
-                  <a:prstDash val="dash"/>
-                </a:ln>
-              </p:spPr>
-              <p:style>
-                <a:lnRef idx="1">
-                  <a:schemeClr val="accent1"/>
-                </a:lnRef>
-                <a:fillRef idx="0">
-                  <a:schemeClr val="accent1"/>
-                </a:fillRef>
-                <a:effectRef idx="0">
-                  <a:schemeClr val="accent1"/>
-                </a:effectRef>
-                <a:fontRef idx="minor">
-                  <a:schemeClr val="tx1"/>
-                </a:fontRef>
-              </p:style>
-            </p:cxnSp>
-            <p:cxnSp>
-              <p:nvCxnSpPr>
-                <p:cNvPr id="11" name="直線コネクタ 10"/>
-                <p:cNvCxnSpPr/>
-                <p:nvPr/>
-              </p:nvCxnSpPr>
-              <p:spPr>
-                <a:xfrm>
-                  <a:off x="8842306" y="2415745"/>
-                  <a:ext cx="2464904" cy="0"/>
-                </a:xfrm>
-                <a:prstGeom prst="line">
-                  <a:avLst/>
-                </a:prstGeom>
-                <a:ln w="57150">
-                  <a:solidFill>
-                    <a:schemeClr val="tx1"/>
-                  </a:solidFill>
-                  <a:prstDash val="dash"/>
-                </a:ln>
-              </p:spPr>
-              <p:style>
-                <a:lnRef idx="1">
-                  <a:schemeClr val="accent1"/>
-                </a:lnRef>
-                <a:fillRef idx="0">
-                  <a:schemeClr val="accent1"/>
-                </a:fillRef>
-                <a:effectRef idx="0">
-                  <a:schemeClr val="accent1"/>
-                </a:effectRef>
-                <a:fontRef idx="minor">
-                  <a:schemeClr val="tx1"/>
-                </a:fontRef>
-              </p:style>
-            </p:cxnSp>
-            <p:cxnSp>
-              <p:nvCxnSpPr>
-                <p:cNvPr id="12" name="直線コネクタ 11"/>
-                <p:cNvCxnSpPr/>
-                <p:nvPr/>
-              </p:nvCxnSpPr>
-              <p:spPr>
-                <a:xfrm>
-                  <a:off x="8842306" y="5897907"/>
-                  <a:ext cx="2464904" cy="0"/>
-                </a:xfrm>
-                <a:prstGeom prst="line">
-                  <a:avLst/>
-                </a:prstGeom>
-                <a:ln w="57150">
-                  <a:solidFill>
-                    <a:schemeClr val="tx1"/>
-                  </a:solidFill>
-                  <a:prstDash val="dash"/>
-                </a:ln>
-              </p:spPr>
-              <p:style>
-                <a:lnRef idx="1">
-                  <a:schemeClr val="accent1"/>
-                </a:lnRef>
-                <a:fillRef idx="0">
-                  <a:schemeClr val="accent1"/>
-                </a:fillRef>
-                <a:effectRef idx="0">
-                  <a:schemeClr val="accent1"/>
-                </a:effectRef>
-                <a:fontRef idx="minor">
-                  <a:schemeClr val="tx1"/>
-                </a:fontRef>
-              </p:style>
-            </p:cxnSp>
-            <p:sp>
-              <p:nvSpPr>
-                <p:cNvPr id="17" name="テキスト ボックス 16"/>
-                <p:cNvSpPr txBox="1"/>
-                <p:nvPr/>
-              </p:nvSpPr>
-              <p:spPr>
-                <a:xfrm>
-                  <a:off x="8795924" y="439417"/>
-                  <a:ext cx="2557669" cy="584775"/>
-                </a:xfrm>
-                <a:prstGeom prst="rect">
-                  <a:avLst/>
-                </a:prstGeom>
+                <a:prstDash val="dash"/>
+              </a:ln>
+            </p:spPr>
+            <p:style>
+              <a:lnRef idx="1">
+                <a:schemeClr val="accent1"/>
+              </a:lnRef>
+              <a:fillRef idx="0">
+                <a:schemeClr val="accent1"/>
+              </a:fillRef>
+              <a:effectRef idx="0">
+                <a:schemeClr val="accent1"/>
+              </a:effectRef>
+              <a:fontRef idx="minor">
+                <a:schemeClr val="tx1"/>
+              </a:fontRef>
+            </p:style>
+          </p:cxnSp>
+          <p:sp>
+            <p:nvSpPr>
+              <p:cNvPr id="17" name="テキスト ボックス 16"/>
+              <p:cNvSpPr txBox="1"/>
+              <p:nvPr/>
+            </p:nvSpPr>
+            <p:spPr>
+              <a:xfrm>
+                <a:off x="8795924" y="408639"/>
+                <a:ext cx="2557669" cy="646331"/>
+              </a:xfrm>
+              <a:prstGeom prst="rect">
+                <a:avLst/>
+              </a:prstGeom>
+              <a:noFill/>
+              <a:ln w="38100">
                 <a:noFill/>
-                <a:ln w="38100">
-                  <a:noFill/>
-                </a:ln>
-              </p:spPr>
-              <p:txBody>
-                <a:bodyPr wrap="square" rtlCol="0" anchor="ctr">
-                  <a:spAutoFit/>
-                </a:bodyPr>
-                <a:lstStyle/>
-                <a:p>
-                  <a:pPr algn="ctr"/>
-                  <a:r>
-                    <a:rPr lang="ja-JP" altLang="en-US" sz="1600" b="1" smtClean="0">
-                      <a:latin typeface="游ゴシック" panose="020B0400000000000000" pitchFamily="50" charset="-128"/>
-                      <a:ea typeface="游ゴシック" panose="020B0400000000000000" pitchFamily="50" charset="-128"/>
-                    </a:rPr>
-                    <a:t>ヘッダ情報が追加される</a:t>
-                  </a:r>
-                  <a:r>
-                    <a:rPr lang="en-US" altLang="ja-JP" sz="1600" b="1" smtClean="0">
-                      <a:latin typeface="游ゴシック" panose="020B0400000000000000" pitchFamily="50" charset="-128"/>
-                      <a:ea typeface="游ゴシック" panose="020B0400000000000000" pitchFamily="50" charset="-128"/>
-                    </a:rPr>
-                    <a:t/>
-                  </a:r>
-                  <a:br>
-                    <a:rPr lang="en-US" altLang="ja-JP" sz="1600" b="1" smtClean="0">
-                      <a:latin typeface="游ゴシック" panose="020B0400000000000000" pitchFamily="50" charset="-128"/>
-                      <a:ea typeface="游ゴシック" panose="020B0400000000000000" pitchFamily="50" charset="-128"/>
-                    </a:rPr>
-                  </a:br>
-                  <a:r>
-                    <a:rPr lang="ja-JP" altLang="en-US" sz="1600" b="1">
-                      <a:latin typeface="游ゴシック" panose="020B0400000000000000" pitchFamily="50" charset="-128"/>
-                      <a:ea typeface="游ゴシック" panose="020B0400000000000000" pitchFamily="50" charset="-128"/>
-                    </a:rPr>
-                    <a:t>場所</a:t>
-                  </a:r>
-                  <a:endParaRPr kumimoji="1" lang="ja-JP" altLang="en-US" sz="1600" b="1">
-                    <a:latin typeface="游ゴシック" panose="020B0400000000000000" pitchFamily="50" charset="-128"/>
-                    <a:ea typeface="游ゴシック" panose="020B0400000000000000" pitchFamily="50" charset="-128"/>
-                  </a:endParaRPr>
-                </a:p>
-              </p:txBody>
-            </p:sp>
-            <p:sp>
-              <p:nvSpPr>
-                <p:cNvPr id="22" name="テキスト ボックス 21"/>
-                <p:cNvSpPr txBox="1"/>
-                <p:nvPr/>
-              </p:nvSpPr>
-              <p:spPr>
-                <a:xfrm>
-                  <a:off x="8795924" y="1566995"/>
-                  <a:ext cx="2557669" cy="323165"/>
-                </a:xfrm>
-                <a:prstGeom prst="rect">
-                  <a:avLst/>
-                </a:prstGeom>
-                <a:solidFill>
-                  <a:schemeClr val="tx1"/>
-                </a:solidFill>
-                <a:ln w="38100">
-                  <a:noFill/>
-                </a:ln>
-              </p:spPr>
-              <p:txBody>
-                <a:bodyPr wrap="square" rtlCol="0" anchor="ctr">
-                  <a:spAutoFit/>
-                </a:bodyPr>
-                <a:lstStyle/>
-                <a:p>
-                  <a:pPr algn="ctr"/>
-                  <a:r>
-                    <a:rPr lang="ja-JP" altLang="en-US" sz="1500" b="1">
-                      <a:solidFill>
-                        <a:schemeClr val="bg1"/>
-                      </a:solidFill>
-                      <a:latin typeface="游ゴシック" panose="020B0400000000000000" pitchFamily="50" charset="-128"/>
-                      <a:ea typeface="游ゴシック" panose="020B0400000000000000" pitchFamily="50" charset="-128"/>
-                    </a:rPr>
-                    <a:t>作成</a:t>
-                  </a:r>
-                  <a:r>
-                    <a:rPr lang="ja-JP" altLang="en-US" sz="1500" b="1" smtClean="0">
-                      <a:solidFill>
-                        <a:schemeClr val="bg1"/>
-                      </a:solidFill>
-                      <a:latin typeface="游ゴシック" panose="020B0400000000000000" pitchFamily="50" charset="-128"/>
-                      <a:ea typeface="游ゴシック" panose="020B0400000000000000" pitchFamily="50" charset="-128"/>
-                    </a:rPr>
-                    <a:t>されたデータ</a:t>
-                  </a:r>
-                  <a:endParaRPr kumimoji="1" lang="ja-JP" altLang="en-US" sz="1500" b="1">
-                    <a:solidFill>
-                      <a:schemeClr val="bg1"/>
-                    </a:solidFill>
-                    <a:latin typeface="游ゴシック" panose="020B0400000000000000" pitchFamily="50" charset="-128"/>
-                    <a:ea typeface="游ゴシック" panose="020B0400000000000000" pitchFamily="50" charset="-128"/>
-                  </a:endParaRPr>
-                </a:p>
-              </p:txBody>
-            </p:sp>
-          </p:grpSp>
+              </a:ln>
+            </p:spPr>
+            <p:txBody>
+              <a:bodyPr wrap="square" rtlCol="0" anchor="ctr">
+                <a:spAutoFit/>
+              </a:bodyPr>
+              <a:lstStyle/>
+              <a:p>
+                <a:pPr algn="ctr"/>
+                <a:r>
+                  <a:rPr lang="ja-JP" altLang="en-US" b="1" smtClean="0">
+                    <a:latin typeface="游ゴシック" panose="020B0400000000000000" pitchFamily="50" charset="-128"/>
+                    <a:ea typeface="游ゴシック" panose="020B0400000000000000" pitchFamily="50" charset="-128"/>
+                  </a:rPr>
+                  <a:t>各プロトコル</a:t>
+                </a:r>
+                <a:r>
+                  <a:rPr lang="ja-JP" altLang="en-US" b="1" smtClean="0">
+                    <a:latin typeface="游ゴシック" panose="020B0400000000000000" pitchFamily="50" charset="-128"/>
+                    <a:ea typeface="游ゴシック" panose="020B0400000000000000" pitchFamily="50" charset="-128"/>
+                  </a:rPr>
+                  <a:t>が</a:t>
+                </a:r>
+                <a:r>
+                  <a:rPr lang="en-US" altLang="ja-JP" b="1" smtClean="0">
+                    <a:latin typeface="游ゴシック" panose="020B0400000000000000" pitchFamily="50" charset="-128"/>
+                    <a:ea typeface="游ゴシック" panose="020B0400000000000000" pitchFamily="50" charset="-128"/>
+                  </a:rPr>
+                  <a:t/>
+                </a:r>
+                <a:br>
+                  <a:rPr lang="en-US" altLang="ja-JP" b="1" smtClean="0">
+                    <a:latin typeface="游ゴシック" panose="020B0400000000000000" pitchFamily="50" charset="-128"/>
+                    <a:ea typeface="游ゴシック" panose="020B0400000000000000" pitchFamily="50" charset="-128"/>
+                  </a:rPr>
+                </a:br>
+                <a:r>
+                  <a:rPr lang="ja-JP" altLang="en-US" b="1" smtClean="0">
+                    <a:latin typeface="游ゴシック" panose="020B0400000000000000" pitchFamily="50" charset="-128"/>
+                    <a:ea typeface="游ゴシック" panose="020B0400000000000000" pitchFamily="50" charset="-128"/>
+                  </a:rPr>
+                  <a:t>用いられる</a:t>
+                </a:r>
+                <a:r>
+                  <a:rPr lang="ja-JP" altLang="en-US" b="1" smtClean="0">
+                    <a:latin typeface="游ゴシック" panose="020B0400000000000000" pitchFamily="50" charset="-128"/>
+                    <a:ea typeface="游ゴシック" panose="020B0400000000000000" pitchFamily="50" charset="-128"/>
+                  </a:rPr>
+                  <a:t>階層</a:t>
+                </a:r>
+                <a:endParaRPr kumimoji="1" lang="ja-JP" altLang="en-US" b="1">
+                  <a:latin typeface="游ゴシック" panose="020B0400000000000000" pitchFamily="50" charset="-128"/>
+                  <a:ea typeface="游ゴシック" panose="020B0400000000000000" pitchFamily="50" charset="-128"/>
+                </a:endParaRPr>
+              </a:p>
+            </p:txBody>
+          </p:sp>
         </p:grpSp>
         <p:grpSp>
           <p:nvGrpSpPr>
@@ -4751,7 +4431,7 @@
           </p:nvGrpSpPr>
           <p:grpSpPr>
             <a:xfrm>
-              <a:off x="-3128421" y="7325550"/>
+              <a:off x="-945995" y="8479441"/>
               <a:ext cx="3839167" cy="4227354"/>
               <a:chOff x="-3128421" y="7325550"/>
               <a:chExt cx="3839167" cy="4227354"/>
@@ -5339,6 +5019,885 @@
               </p:style>
             </p:cxnSp>
           </p:grpSp>
+        </p:grpSp>
+        <p:grpSp>
+          <p:nvGrpSpPr>
+            <p:cNvPr id="72" name="Group 71"/>
+            <p:cNvGrpSpPr/>
+            <p:nvPr/>
+          </p:nvGrpSpPr>
+          <p:grpSpPr>
+            <a:xfrm>
+              <a:off x="2835717" y="6427426"/>
+              <a:ext cx="9024316" cy="6292465"/>
+              <a:chOff x="2835717" y="6427426"/>
+              <a:chExt cx="9024316" cy="6292465"/>
+            </a:xfrm>
+          </p:grpSpPr>
+          <p:grpSp>
+            <p:nvGrpSpPr>
+              <p:cNvPr id="70" name="Group 69"/>
+              <p:cNvGrpSpPr/>
+              <p:nvPr/>
+            </p:nvGrpSpPr>
+            <p:grpSpPr>
+              <a:xfrm>
+                <a:off x="2835717" y="6427426"/>
+                <a:ext cx="9024316" cy="6292465"/>
+                <a:chOff x="2835717" y="6427426"/>
+                <a:chExt cx="9024316" cy="6292465"/>
+              </a:xfrm>
+            </p:grpSpPr>
+            <p:grpSp>
+              <p:nvGrpSpPr>
+                <p:cNvPr id="69" name="Group 68"/>
+                <p:cNvGrpSpPr/>
+                <p:nvPr/>
+              </p:nvGrpSpPr>
+              <p:grpSpPr>
+                <a:xfrm>
+                  <a:off x="2835717" y="6427426"/>
+                  <a:ext cx="9024316" cy="6292465"/>
+                  <a:chOff x="2835717" y="6427426"/>
+                  <a:chExt cx="9024316" cy="6292465"/>
+                </a:xfrm>
+              </p:grpSpPr>
+              <p:pic>
+                <p:nvPicPr>
+                  <p:cNvPr id="4" name="図 3"/>
+                  <p:cNvPicPr>
+                    <a:picLocks noChangeAspect="1"/>
+                  </p:cNvPicPr>
+                  <p:nvPr/>
+                </p:nvPicPr>
+                <p:blipFill>
+                  <a:blip r:embed="rId2">
+                    <a:extLst>
+                      <a:ext uri="{28A0092B-C50C-407E-A947-70E740481C1C}">
+                        <a14:useLocalDpi xmlns:a14="http://schemas.microsoft.com/office/drawing/2010/main" val="0"/>
+                      </a:ext>
+                    </a:extLst>
+                  </a:blip>
+                  <a:stretch>
+                    <a:fillRect/>
+                  </a:stretch>
+                </p:blipFill>
+                <p:spPr>
+                  <a:xfrm>
+                    <a:off x="2835717" y="6427426"/>
+                    <a:ext cx="9024316" cy="6292465"/>
+                  </a:xfrm>
+                  <a:prstGeom prst="rect">
+                    <a:avLst/>
+                  </a:prstGeom>
+                </p:spPr>
+              </p:pic>
+              <p:sp>
+                <p:nvSpPr>
+                  <p:cNvPr id="8" name="Rectangle 7"/>
+                  <p:cNvSpPr/>
+                  <p:nvPr/>
+                </p:nvSpPr>
+                <p:spPr>
+                  <a:xfrm>
+                    <a:off x="6255945" y="7306146"/>
+                    <a:ext cx="3883936" cy="986827"/>
+                  </a:xfrm>
+                  <a:prstGeom prst="rect">
+                    <a:avLst/>
+                  </a:prstGeom>
+                  <a:solidFill>
+                    <a:schemeClr val="bg1"/>
+                  </a:solidFill>
+                  <a:ln w="38100"/>
+                </p:spPr>
+                <p:style>
+                  <a:lnRef idx="2">
+                    <a:schemeClr val="accent1">
+                      <a:shade val="50000"/>
+                    </a:schemeClr>
+                  </a:lnRef>
+                  <a:fillRef idx="1">
+                    <a:schemeClr val="accent1"/>
+                  </a:fillRef>
+                  <a:effectRef idx="0">
+                    <a:schemeClr val="accent1"/>
+                  </a:effectRef>
+                  <a:fontRef idx="minor">
+                    <a:schemeClr val="lt1"/>
+                  </a:fontRef>
+                </p:style>
+                <p:txBody>
+                  <a:bodyPr rtlCol="0" anchor="ctr"/>
+                  <a:lstStyle/>
+                  <a:p>
+                    <a:pPr algn="ctr"/>
+                    <a:r>
+                      <a:rPr lang="ja-JP" altLang="en-US" b="1" smtClean="0">
+                        <a:solidFill>
+                          <a:schemeClr val="tx1"/>
+                        </a:solidFill>
+                        <a:latin typeface="游ゴシック" panose="020B0400000000000000" pitchFamily="50" charset="-128"/>
+                        <a:ea typeface="游ゴシック" panose="020B0400000000000000" pitchFamily="50" charset="-128"/>
+                      </a:rPr>
+                      <a:t>メールデータ</a:t>
+                    </a:r>
+                    <a:endParaRPr kumimoji="1" lang="ja-JP" altLang="en-US">
+                      <a:solidFill>
+                        <a:schemeClr val="tx1"/>
+                      </a:solidFill>
+                    </a:endParaRPr>
+                  </a:p>
+                </p:txBody>
+              </p:sp>
+              <p:sp>
+                <p:nvSpPr>
+                  <p:cNvPr id="14" name="テキスト ボックス 13"/>
+                  <p:cNvSpPr txBox="1"/>
+                  <p:nvPr/>
+                </p:nvSpPr>
+                <p:spPr>
+                  <a:xfrm>
+                    <a:off x="2835717" y="8546490"/>
+                    <a:ext cx="1927954" cy="646331"/>
+                  </a:xfrm>
+                  <a:prstGeom prst="rect">
+                    <a:avLst/>
+                  </a:prstGeom>
+                  <a:solidFill>
+                    <a:schemeClr val="bg1"/>
+                  </a:solidFill>
+                  <a:ln w="38100">
+                    <a:noFill/>
+                  </a:ln>
+                </p:spPr>
+                <p:txBody>
+                  <a:bodyPr wrap="square" rtlCol="0" anchor="ctr">
+                    <a:spAutoFit/>
+                  </a:bodyPr>
+                  <a:lstStyle/>
+                  <a:p>
+                    <a:pPr algn="ctr"/>
+                    <a:r>
+                      <a:rPr kumimoji="1" lang="ja-JP" altLang="en-US" sz="1200" b="1" smtClean="0">
+                        <a:latin typeface="游ゴシック" panose="020B0400000000000000" pitchFamily="50" charset="-128"/>
+                        <a:ea typeface="游ゴシック" panose="020B0400000000000000" pitchFamily="50" charset="-128"/>
+                      </a:rPr>
+                      <a:t>・アプリケーション層</a:t>
+                    </a:r>
+                    <a:r>
+                      <a:rPr kumimoji="1" lang="en-US" altLang="ja-JP" sz="1200" b="1" smtClean="0">
+                        <a:latin typeface="游ゴシック" panose="020B0400000000000000" pitchFamily="50" charset="-128"/>
+                        <a:ea typeface="游ゴシック" panose="020B0400000000000000" pitchFamily="50" charset="-128"/>
+                      </a:rPr>
+                      <a:t/>
+                    </a:r>
+                    <a:br>
+                      <a:rPr kumimoji="1" lang="en-US" altLang="ja-JP" sz="1200" b="1" smtClean="0">
+                        <a:latin typeface="游ゴシック" panose="020B0400000000000000" pitchFamily="50" charset="-128"/>
+                        <a:ea typeface="游ゴシック" panose="020B0400000000000000" pitchFamily="50" charset="-128"/>
+                      </a:rPr>
+                    </a:br>
+                    <a:r>
+                      <a:rPr kumimoji="1" lang="ja-JP" altLang="en-US" sz="1200" b="1" smtClean="0">
+                        <a:latin typeface="游ゴシック" panose="020B0400000000000000" pitchFamily="50" charset="-128"/>
+                        <a:ea typeface="游ゴシック" panose="020B0400000000000000" pitchFamily="50" charset="-128"/>
+                      </a:rPr>
+                      <a:t>・プレゼンテーション層</a:t>
+                    </a:r>
+                    <a:r>
+                      <a:rPr kumimoji="1" lang="en-US" altLang="ja-JP" sz="1200" b="1" smtClean="0">
+                        <a:latin typeface="游ゴシック" panose="020B0400000000000000" pitchFamily="50" charset="-128"/>
+                        <a:ea typeface="游ゴシック" panose="020B0400000000000000" pitchFamily="50" charset="-128"/>
+                      </a:rPr>
+                      <a:t/>
+                    </a:r>
+                    <a:br>
+                      <a:rPr kumimoji="1" lang="en-US" altLang="ja-JP" sz="1200" b="1" smtClean="0">
+                        <a:latin typeface="游ゴシック" panose="020B0400000000000000" pitchFamily="50" charset="-128"/>
+                        <a:ea typeface="游ゴシック" panose="020B0400000000000000" pitchFamily="50" charset="-128"/>
+                      </a:rPr>
+                    </a:br>
+                    <a:r>
+                      <a:rPr kumimoji="1" lang="ja-JP" altLang="en-US" sz="1200" b="1" smtClean="0">
+                        <a:latin typeface="游ゴシック" panose="020B0400000000000000" pitchFamily="50" charset="-128"/>
+                        <a:ea typeface="游ゴシック" panose="020B0400000000000000" pitchFamily="50" charset="-128"/>
+                      </a:rPr>
+                      <a:t>・セッション層</a:t>
+                    </a:r>
+                    <a:endParaRPr kumimoji="1" lang="ja-JP" altLang="en-US" sz="1200" b="1">
+                      <a:latin typeface="游ゴシック" panose="020B0400000000000000" pitchFamily="50" charset="-128"/>
+                      <a:ea typeface="游ゴシック" panose="020B0400000000000000" pitchFamily="50" charset="-128"/>
+                    </a:endParaRPr>
+                  </a:p>
+                </p:txBody>
+              </p:sp>
+              <p:sp>
+                <p:nvSpPr>
+                  <p:cNvPr id="15" name="テキスト ボックス 14"/>
+                  <p:cNvSpPr txBox="1"/>
+                  <p:nvPr/>
+                </p:nvSpPr>
+                <p:spPr>
+                  <a:xfrm>
+                    <a:off x="2962219" y="12064873"/>
+                    <a:ext cx="1801452" cy="553998"/>
+                  </a:xfrm>
+                  <a:prstGeom prst="rect">
+                    <a:avLst/>
+                  </a:prstGeom>
+                  <a:solidFill>
+                    <a:schemeClr val="bg1"/>
+                  </a:solidFill>
+                  <a:ln w="38100">
+                    <a:noFill/>
+                  </a:ln>
+                </p:spPr>
+                <p:txBody>
+                  <a:bodyPr wrap="square" rtlCol="0" anchor="ctr">
+                    <a:spAutoFit/>
+                  </a:bodyPr>
+                  <a:lstStyle/>
+                  <a:p>
+                    <a:pPr algn="ctr"/>
+                    <a:r>
+                      <a:rPr lang="ja-JP" altLang="en-US" sz="1500" b="1" smtClean="0">
+                        <a:latin typeface="游ゴシック" panose="020B0400000000000000" pitchFamily="50" charset="-128"/>
+                        <a:ea typeface="游ゴシック" panose="020B0400000000000000" pitchFamily="50" charset="-128"/>
+                      </a:rPr>
+                      <a:t>・データリンク</a:t>
+                    </a:r>
+                    <a:r>
+                      <a:rPr kumimoji="1" lang="ja-JP" altLang="en-US" sz="1500" b="1" smtClean="0">
+                        <a:latin typeface="游ゴシック" panose="020B0400000000000000" pitchFamily="50" charset="-128"/>
+                        <a:ea typeface="游ゴシック" panose="020B0400000000000000" pitchFamily="50" charset="-128"/>
+                      </a:rPr>
+                      <a:t>層</a:t>
+                    </a:r>
+                    <a:r>
+                      <a:rPr kumimoji="1" lang="en-US" altLang="ja-JP" sz="1500" b="1" smtClean="0">
+                        <a:latin typeface="游ゴシック" panose="020B0400000000000000" pitchFamily="50" charset="-128"/>
+                        <a:ea typeface="游ゴシック" panose="020B0400000000000000" pitchFamily="50" charset="-128"/>
+                      </a:rPr>
+                      <a:t/>
+                    </a:r>
+                    <a:br>
+                      <a:rPr kumimoji="1" lang="en-US" altLang="ja-JP" sz="1500" b="1" smtClean="0">
+                        <a:latin typeface="游ゴシック" panose="020B0400000000000000" pitchFamily="50" charset="-128"/>
+                        <a:ea typeface="游ゴシック" panose="020B0400000000000000" pitchFamily="50" charset="-128"/>
+                      </a:rPr>
+                    </a:br>
+                    <a:r>
+                      <a:rPr kumimoji="1" lang="ja-JP" altLang="en-US" sz="1500" b="1" smtClean="0">
+                        <a:latin typeface="游ゴシック" panose="020B0400000000000000" pitchFamily="50" charset="-128"/>
+                        <a:ea typeface="游ゴシック" panose="020B0400000000000000" pitchFamily="50" charset="-128"/>
+                      </a:rPr>
+                      <a:t>・</a:t>
+                    </a:r>
+                    <a:r>
+                      <a:rPr lang="ja-JP" altLang="en-US" sz="1500" b="1" smtClean="0">
+                        <a:latin typeface="游ゴシック" panose="020B0400000000000000" pitchFamily="50" charset="-128"/>
+                        <a:ea typeface="游ゴシック" panose="020B0400000000000000" pitchFamily="50" charset="-128"/>
+                      </a:rPr>
+                      <a:t>物理</a:t>
+                    </a:r>
+                    <a:r>
+                      <a:rPr kumimoji="1" lang="ja-JP" altLang="en-US" sz="1500" b="1" smtClean="0">
+                        <a:latin typeface="游ゴシック" panose="020B0400000000000000" pitchFamily="50" charset="-128"/>
+                        <a:ea typeface="游ゴシック" panose="020B0400000000000000" pitchFamily="50" charset="-128"/>
+                      </a:rPr>
+                      <a:t>層</a:t>
+                    </a:r>
+                    <a:endParaRPr kumimoji="1" lang="ja-JP" altLang="en-US" sz="1500" b="1">
+                      <a:latin typeface="游ゴシック" panose="020B0400000000000000" pitchFamily="50" charset="-128"/>
+                      <a:ea typeface="游ゴシック" panose="020B0400000000000000" pitchFamily="50" charset="-128"/>
+                    </a:endParaRPr>
+                  </a:p>
+                </p:txBody>
+              </p:sp>
+              <p:sp>
+                <p:nvSpPr>
+                  <p:cNvPr id="55" name="テキスト ボックス 21"/>
+                  <p:cNvSpPr txBox="1"/>
+                  <p:nvPr/>
+                </p:nvSpPr>
+                <p:spPr>
+                  <a:xfrm>
+                    <a:off x="2962219" y="7498413"/>
+                    <a:ext cx="1801452" cy="584775"/>
+                  </a:xfrm>
+                  <a:prstGeom prst="rect">
+                    <a:avLst/>
+                  </a:prstGeom>
+                  <a:solidFill>
+                    <a:schemeClr val="bg1"/>
+                  </a:solidFill>
+                  <a:ln w="38100">
+                    <a:noFill/>
+                  </a:ln>
+                </p:spPr>
+                <p:txBody>
+                  <a:bodyPr wrap="square" rtlCol="0" anchor="ctr">
+                    <a:spAutoFit/>
+                  </a:bodyPr>
+                  <a:lstStyle/>
+                  <a:p>
+                    <a:pPr algn="ctr"/>
+                    <a:r>
+                      <a:rPr lang="ja-JP" altLang="en-US" sz="1600" b="1">
+                        <a:latin typeface="游ゴシック" panose="020B0400000000000000" pitchFamily="50" charset="-128"/>
+                        <a:ea typeface="游ゴシック" panose="020B0400000000000000" pitchFamily="50" charset="-128"/>
+                      </a:rPr>
+                      <a:t>扱</a:t>
+                    </a:r>
+                    <a:r>
+                      <a:rPr lang="ja-JP" altLang="en-US" sz="1600" b="1" smtClean="0">
+                        <a:latin typeface="游ゴシック" panose="020B0400000000000000" pitchFamily="50" charset="-128"/>
+                        <a:ea typeface="游ゴシック" panose="020B0400000000000000" pitchFamily="50" charset="-128"/>
+                      </a:rPr>
+                      <a:t>われる</a:t>
+                    </a:r>
+                    <a:r>
+                      <a:rPr lang="en-US" altLang="ja-JP" sz="1600" b="1" smtClean="0">
+                        <a:latin typeface="游ゴシック" panose="020B0400000000000000" pitchFamily="50" charset="-128"/>
+                        <a:ea typeface="游ゴシック" panose="020B0400000000000000" pitchFamily="50" charset="-128"/>
+                      </a:rPr>
+                      <a:t/>
+                    </a:r>
+                    <a:br>
+                      <a:rPr lang="en-US" altLang="ja-JP" sz="1600" b="1" smtClean="0">
+                        <a:latin typeface="游ゴシック" panose="020B0400000000000000" pitchFamily="50" charset="-128"/>
+                        <a:ea typeface="游ゴシック" panose="020B0400000000000000" pitchFamily="50" charset="-128"/>
+                      </a:rPr>
+                    </a:br>
+                    <a:r>
+                      <a:rPr lang="ja-JP" altLang="en-US" sz="1600" b="1" smtClean="0">
+                        <a:latin typeface="游ゴシック" panose="020B0400000000000000" pitchFamily="50" charset="-128"/>
+                        <a:ea typeface="游ゴシック" panose="020B0400000000000000" pitchFamily="50" charset="-128"/>
+                      </a:rPr>
+                      <a:t>データの種類</a:t>
+                    </a:r>
+                    <a:endParaRPr kumimoji="1" lang="ja-JP" altLang="en-US" sz="1600" b="1">
+                      <a:latin typeface="游ゴシック" panose="020B0400000000000000" pitchFamily="50" charset="-128"/>
+                      <a:ea typeface="游ゴシック" panose="020B0400000000000000" pitchFamily="50" charset="-128"/>
+                    </a:endParaRPr>
+                  </a:p>
+                </p:txBody>
+              </p:sp>
+            </p:grpSp>
+            <p:grpSp>
+              <p:nvGrpSpPr>
+                <p:cNvPr id="68" name="Group 67"/>
+                <p:cNvGrpSpPr/>
+                <p:nvPr/>
+              </p:nvGrpSpPr>
+              <p:grpSpPr>
+                <a:xfrm>
+                  <a:off x="6096000" y="8546490"/>
+                  <a:ext cx="5444359" cy="625203"/>
+                  <a:chOff x="6096000" y="8546490"/>
+                  <a:chExt cx="5444359" cy="625203"/>
+                </a:xfrm>
+              </p:grpSpPr>
+              <p:grpSp>
+                <p:nvGrpSpPr>
+                  <p:cNvPr id="67" name="Group 66"/>
+                  <p:cNvGrpSpPr/>
+                  <p:nvPr/>
+                </p:nvGrpSpPr>
+                <p:grpSpPr>
+                  <a:xfrm>
+                    <a:off x="6096000" y="8546490"/>
+                    <a:ext cx="4141076" cy="625203"/>
+                    <a:chOff x="6096000" y="8546490"/>
+                    <a:chExt cx="4141076" cy="625203"/>
+                  </a:xfrm>
+                </p:grpSpPr>
+                <p:sp>
+                  <p:nvSpPr>
+                    <p:cNvPr id="58" name="Rectangle 57"/>
+                    <p:cNvSpPr/>
+                    <p:nvPr/>
+                  </p:nvSpPr>
+                  <p:spPr>
+                    <a:xfrm>
+                      <a:off x="6096000" y="8546490"/>
+                      <a:ext cx="4141076" cy="625203"/>
+                    </a:xfrm>
+                    <a:prstGeom prst="rect">
+                      <a:avLst/>
+                    </a:prstGeom>
+                    <a:solidFill>
+                      <a:schemeClr val="bg1"/>
+                    </a:solidFill>
+                    <a:ln w="38100">
+                      <a:noFill/>
+                    </a:ln>
+                  </p:spPr>
+                  <p:style>
+                    <a:lnRef idx="2">
+                      <a:schemeClr val="accent1">
+                        <a:shade val="50000"/>
+                      </a:schemeClr>
+                    </a:lnRef>
+                    <a:fillRef idx="1">
+                      <a:schemeClr val="accent1"/>
+                    </a:fillRef>
+                    <a:effectRef idx="0">
+                      <a:schemeClr val="accent1"/>
+                    </a:effectRef>
+                    <a:fontRef idx="minor">
+                      <a:schemeClr val="lt1"/>
+                    </a:fontRef>
+                  </p:style>
+                  <p:txBody>
+                    <a:bodyPr rtlCol="0" anchor="ctr"/>
+                    <a:lstStyle/>
+                    <a:p>
+                      <a:pPr algn="ctr"/>
+                      <a:endParaRPr kumimoji="1" lang="ja-JP" altLang="en-US" sz="1400">
+                        <a:solidFill>
+                          <a:schemeClr val="tx1"/>
+                        </a:solidFill>
+                      </a:endParaRPr>
+                    </a:p>
+                  </p:txBody>
+                </p:sp>
+                <p:sp>
+                  <p:nvSpPr>
+                    <p:cNvPr id="57" name="Rectangle 56"/>
+                    <p:cNvSpPr/>
+                    <p:nvPr/>
+                  </p:nvSpPr>
+                  <p:spPr>
+                    <a:xfrm>
+                      <a:off x="7406235" y="8640750"/>
+                      <a:ext cx="712414" cy="414000"/>
+                    </a:xfrm>
+                    <a:prstGeom prst="rect">
+                      <a:avLst/>
+                    </a:prstGeom>
+                    <a:solidFill>
+                      <a:schemeClr val="bg1"/>
+                    </a:solidFill>
+                    <a:ln w="38100"/>
+                  </p:spPr>
+                  <p:style>
+                    <a:lnRef idx="2">
+                      <a:schemeClr val="accent1">
+                        <a:shade val="50000"/>
+                      </a:schemeClr>
+                    </a:lnRef>
+                    <a:fillRef idx="1">
+                      <a:schemeClr val="accent1"/>
+                    </a:fillRef>
+                    <a:effectRef idx="0">
+                      <a:schemeClr val="accent1"/>
+                    </a:effectRef>
+                    <a:fontRef idx="minor">
+                      <a:schemeClr val="lt1"/>
+                    </a:fontRef>
+                  </p:style>
+                  <p:txBody>
+                    <a:bodyPr rtlCol="0" anchor="ctr"/>
+                    <a:lstStyle/>
+                    <a:p>
+                      <a:pPr algn="ctr"/>
+                      <a:r>
+                        <a:rPr lang="en-US" altLang="ja-JP" sz="1400" b="1" smtClean="0">
+                          <a:solidFill>
+                            <a:schemeClr val="tx1"/>
+                          </a:solidFill>
+                          <a:latin typeface="游ゴシック" panose="020B0400000000000000" pitchFamily="50" charset="-128"/>
+                          <a:ea typeface="游ゴシック" panose="020B0400000000000000" pitchFamily="50" charset="-128"/>
+                        </a:rPr>
+                        <a:t>SMT</a:t>
+                      </a:r>
+                      <a:r>
+                        <a:rPr lang="en-US" altLang="ja-JP" sz="1400" b="1">
+                          <a:solidFill>
+                            <a:schemeClr val="tx1"/>
+                          </a:solidFill>
+                          <a:latin typeface="游ゴシック" panose="020B0400000000000000" pitchFamily="50" charset="-128"/>
+                          <a:ea typeface="游ゴシック" panose="020B0400000000000000" pitchFamily="50" charset="-128"/>
+                        </a:rPr>
+                        <a:t>P</a:t>
+                      </a:r>
+                      <a:endParaRPr kumimoji="1" lang="ja-JP" altLang="en-US" sz="1400">
+                        <a:solidFill>
+                          <a:schemeClr val="tx1"/>
+                        </a:solidFill>
+                      </a:endParaRPr>
+                    </a:p>
+                  </p:txBody>
+                </p:sp>
+                <p:sp>
+                  <p:nvSpPr>
+                    <p:cNvPr id="59" name="Rectangle 58"/>
+                    <p:cNvSpPr/>
+                    <p:nvPr/>
+                  </p:nvSpPr>
+                  <p:spPr>
+                    <a:xfrm>
+                      <a:off x="8341063" y="8640750"/>
+                      <a:ext cx="712414" cy="414000"/>
+                    </a:xfrm>
+                    <a:prstGeom prst="rect">
+                      <a:avLst/>
+                    </a:prstGeom>
+                    <a:solidFill>
+                      <a:schemeClr val="bg1"/>
+                    </a:solidFill>
+                    <a:ln w="38100"/>
+                  </p:spPr>
+                  <p:style>
+                    <a:lnRef idx="2">
+                      <a:schemeClr val="accent1">
+                        <a:shade val="50000"/>
+                      </a:schemeClr>
+                    </a:lnRef>
+                    <a:fillRef idx="1">
+                      <a:schemeClr val="accent1"/>
+                    </a:fillRef>
+                    <a:effectRef idx="0">
+                      <a:schemeClr val="accent1"/>
+                    </a:effectRef>
+                    <a:fontRef idx="minor">
+                      <a:schemeClr val="lt1"/>
+                    </a:fontRef>
+                  </p:style>
+                  <p:txBody>
+                    <a:bodyPr rtlCol="0" anchor="ctr"/>
+                    <a:lstStyle/>
+                    <a:p>
+                      <a:pPr algn="ctr"/>
+                      <a:r>
+                        <a:rPr lang="en-US" altLang="ja-JP" sz="1400" b="1" smtClean="0">
+                          <a:solidFill>
+                            <a:schemeClr val="tx1"/>
+                          </a:solidFill>
+                          <a:latin typeface="游ゴシック" panose="020B0400000000000000" pitchFamily="50" charset="-128"/>
+                          <a:ea typeface="游ゴシック" panose="020B0400000000000000" pitchFamily="50" charset="-128"/>
+                        </a:rPr>
+                        <a:t>POP3</a:t>
+                      </a:r>
+                      <a:endParaRPr kumimoji="1" lang="ja-JP" altLang="en-US" sz="1400">
+                        <a:solidFill>
+                          <a:schemeClr val="tx1"/>
+                        </a:solidFill>
+                      </a:endParaRPr>
+                    </a:p>
+                  </p:txBody>
+                </p:sp>
+                <p:sp>
+                  <p:nvSpPr>
+                    <p:cNvPr id="60" name="Rectangle 59"/>
+                    <p:cNvSpPr/>
+                    <p:nvPr/>
+                  </p:nvSpPr>
+                  <p:spPr>
+                    <a:xfrm>
+                      <a:off x="9275891" y="8640750"/>
+                      <a:ext cx="822855" cy="414000"/>
+                    </a:xfrm>
+                    <a:prstGeom prst="rect">
+                      <a:avLst/>
+                    </a:prstGeom>
+                    <a:solidFill>
+                      <a:schemeClr val="bg1"/>
+                    </a:solidFill>
+                    <a:ln w="38100"/>
+                  </p:spPr>
+                  <p:style>
+                    <a:lnRef idx="2">
+                      <a:schemeClr val="accent1">
+                        <a:shade val="50000"/>
+                      </a:schemeClr>
+                    </a:lnRef>
+                    <a:fillRef idx="1">
+                      <a:schemeClr val="accent1"/>
+                    </a:fillRef>
+                    <a:effectRef idx="0">
+                      <a:schemeClr val="accent1"/>
+                    </a:effectRef>
+                    <a:fontRef idx="minor">
+                      <a:schemeClr val="lt1"/>
+                    </a:fontRef>
+                  </p:style>
+                  <p:txBody>
+                    <a:bodyPr rtlCol="0" anchor="ctr"/>
+                    <a:lstStyle/>
+                    <a:p>
+                      <a:pPr algn="ctr"/>
+                      <a:r>
+                        <a:rPr lang="en-US" altLang="ja-JP" sz="1400" b="1" smtClean="0">
+                          <a:solidFill>
+                            <a:schemeClr val="tx1"/>
+                          </a:solidFill>
+                          <a:latin typeface="游ゴシック" panose="020B0400000000000000" pitchFamily="50" charset="-128"/>
+                          <a:ea typeface="游ゴシック" panose="020B0400000000000000" pitchFamily="50" charset="-128"/>
+                        </a:rPr>
+                        <a:t>IMAP4</a:t>
+                      </a:r>
+                      <a:endParaRPr kumimoji="1" lang="ja-JP" altLang="en-US" sz="1400">
+                        <a:solidFill>
+                          <a:schemeClr val="tx1"/>
+                        </a:solidFill>
+                      </a:endParaRPr>
+                    </a:p>
+                  </p:txBody>
+                </p:sp>
+                <p:sp>
+                  <p:nvSpPr>
+                    <p:cNvPr id="62" name="Rectangle 61"/>
+                    <p:cNvSpPr/>
+                    <p:nvPr/>
+                  </p:nvSpPr>
+                  <p:spPr>
+                    <a:xfrm>
+                      <a:off x="6255945" y="8640750"/>
+                      <a:ext cx="927876" cy="414000"/>
+                    </a:xfrm>
+                    <a:prstGeom prst="rect">
+                      <a:avLst/>
+                    </a:prstGeom>
+                    <a:solidFill>
+                      <a:srgbClr val="FF0000"/>
+                    </a:solidFill>
+                    <a:ln w="38100"/>
+                  </p:spPr>
+                  <p:style>
+                    <a:lnRef idx="2">
+                      <a:schemeClr val="accent1">
+                        <a:shade val="50000"/>
+                      </a:schemeClr>
+                    </a:lnRef>
+                    <a:fillRef idx="1">
+                      <a:schemeClr val="accent1"/>
+                    </a:fillRef>
+                    <a:effectRef idx="0">
+                      <a:schemeClr val="accent1"/>
+                    </a:effectRef>
+                    <a:fontRef idx="minor">
+                      <a:schemeClr val="lt1"/>
+                    </a:fontRef>
+                  </p:style>
+                  <p:txBody>
+                    <a:bodyPr rtlCol="0" anchor="ctr"/>
+                    <a:lstStyle/>
+                    <a:p>
+                      <a:pPr algn="ctr"/>
+                      <a:r>
+                        <a:rPr lang="en-US" altLang="ja-JP" sz="1400" b="1" smtClean="0">
+                          <a:solidFill>
+                            <a:schemeClr val="tx1"/>
+                          </a:solidFill>
+                          <a:latin typeface="游ゴシック" panose="020B0400000000000000" pitchFamily="50" charset="-128"/>
+                          <a:ea typeface="游ゴシック" panose="020B0400000000000000" pitchFamily="50" charset="-128"/>
+                        </a:rPr>
+                        <a:t>S/MIME</a:t>
+                      </a:r>
+                      <a:endParaRPr kumimoji="1" lang="ja-JP" altLang="en-US" sz="1400">
+                        <a:solidFill>
+                          <a:schemeClr val="tx1"/>
+                        </a:solidFill>
+                      </a:endParaRPr>
+                    </a:p>
+                  </p:txBody>
+                </p:sp>
+              </p:grpSp>
+              <p:sp>
+                <p:nvSpPr>
+                  <p:cNvPr id="64" name="Rectangle 63"/>
+                  <p:cNvSpPr/>
+                  <p:nvPr/>
+                </p:nvSpPr>
+                <p:spPr>
+                  <a:xfrm>
+                    <a:off x="10321159" y="8640202"/>
+                    <a:ext cx="1219200" cy="414000"/>
+                  </a:xfrm>
+                  <a:prstGeom prst="rect">
+                    <a:avLst/>
+                  </a:prstGeom>
+                  <a:solidFill>
+                    <a:srgbClr val="FF0000"/>
+                  </a:solidFill>
+                  <a:ln w="38100"/>
+                </p:spPr>
+                <p:style>
+                  <a:lnRef idx="2">
+                    <a:schemeClr val="accent1">
+                      <a:shade val="50000"/>
+                    </a:schemeClr>
+                  </a:lnRef>
+                  <a:fillRef idx="1">
+                    <a:schemeClr val="accent1"/>
+                  </a:fillRef>
+                  <a:effectRef idx="0">
+                    <a:schemeClr val="accent1"/>
+                  </a:effectRef>
+                  <a:fontRef idx="minor">
+                    <a:schemeClr val="lt1"/>
+                  </a:fontRef>
+                </p:style>
+                <p:txBody>
+                  <a:bodyPr rtlCol="0" anchor="ctr"/>
+                  <a:lstStyle/>
+                  <a:p>
+                    <a:pPr algn="ctr"/>
+                    <a:r>
+                      <a:rPr kumimoji="1" lang="en-US" altLang="ja-JP" sz="1400" b="1" smtClean="0">
+                        <a:solidFill>
+                          <a:schemeClr val="tx1"/>
+                        </a:solidFill>
+                        <a:latin typeface="游ゴシック" panose="020B0400000000000000" pitchFamily="50" charset="-128"/>
+                        <a:ea typeface="游ゴシック" panose="020B0400000000000000" pitchFamily="50" charset="-128"/>
+                      </a:rPr>
+                      <a:t>SSH</a:t>
+                    </a:r>
+                    <a:endParaRPr kumimoji="1" lang="ja-JP" altLang="en-US" sz="1400" b="1">
+                      <a:solidFill>
+                        <a:schemeClr val="tx1"/>
+                      </a:solidFill>
+                      <a:latin typeface="游ゴシック" panose="020B0400000000000000" pitchFamily="50" charset="-128"/>
+                      <a:ea typeface="游ゴシック" panose="020B0400000000000000" pitchFamily="50" charset="-128"/>
+                    </a:endParaRPr>
+                  </a:p>
+                </p:txBody>
+              </p:sp>
+            </p:grpSp>
+          </p:grpSp>
+          <p:sp>
+            <p:nvSpPr>
+              <p:cNvPr id="63" name="Rectangle 62"/>
+              <p:cNvSpPr/>
+              <p:nvPr/>
+            </p:nvSpPr>
+            <p:spPr>
+              <a:xfrm>
+                <a:off x="4894854" y="9425210"/>
+                <a:ext cx="1201146" cy="422983"/>
+              </a:xfrm>
+              <a:prstGeom prst="rect">
+                <a:avLst/>
+              </a:prstGeom>
+              <a:solidFill>
+                <a:srgbClr val="FF0000"/>
+              </a:solidFill>
+              <a:ln w="38100"/>
+            </p:spPr>
+            <p:style>
+              <a:lnRef idx="2">
+                <a:schemeClr val="accent1">
+                  <a:shade val="50000"/>
+                </a:schemeClr>
+              </a:lnRef>
+              <a:fillRef idx="1">
+                <a:schemeClr val="accent1"/>
+              </a:fillRef>
+              <a:effectRef idx="0">
+                <a:schemeClr val="accent1"/>
+              </a:effectRef>
+              <a:fontRef idx="minor">
+                <a:schemeClr val="lt1"/>
+              </a:fontRef>
+            </p:style>
+            <p:txBody>
+              <a:bodyPr rtlCol="0" anchor="ctr"/>
+              <a:lstStyle/>
+              <a:p>
+                <a:pPr algn="ctr"/>
+                <a:r>
+                  <a:rPr kumimoji="1" lang="en-US" altLang="ja-JP" sz="1400" b="1" smtClean="0">
+                    <a:solidFill>
+                      <a:schemeClr val="tx1"/>
+                    </a:solidFill>
+                    <a:latin typeface="游ゴシック" panose="020B0400000000000000" pitchFamily="50" charset="-128"/>
+                    <a:ea typeface="游ゴシック" panose="020B0400000000000000" pitchFamily="50" charset="-128"/>
+                  </a:rPr>
+                  <a:t>SSL/TLS</a:t>
+                </a:r>
+                <a:endParaRPr kumimoji="1" lang="ja-JP" altLang="en-US" sz="1400" b="1">
+                  <a:solidFill>
+                    <a:schemeClr val="tx1"/>
+                  </a:solidFill>
+                  <a:latin typeface="游ゴシック" panose="020B0400000000000000" pitchFamily="50" charset="-128"/>
+                  <a:ea typeface="游ゴシック" panose="020B0400000000000000" pitchFamily="50" charset="-128"/>
+                </a:endParaRPr>
+              </a:p>
+            </p:txBody>
+          </p:sp>
+          <p:sp>
+            <p:nvSpPr>
+              <p:cNvPr id="65" name="Rectangle 64"/>
+              <p:cNvSpPr/>
+              <p:nvPr/>
+            </p:nvSpPr>
+            <p:spPr>
+              <a:xfrm>
+                <a:off x="4871405" y="10785307"/>
+                <a:ext cx="6668953" cy="422983"/>
+              </a:xfrm>
+              <a:prstGeom prst="rect">
+                <a:avLst/>
+              </a:prstGeom>
+              <a:solidFill>
+                <a:srgbClr val="FF0000"/>
+              </a:solidFill>
+              <a:ln w="38100"/>
+            </p:spPr>
+            <p:style>
+              <a:lnRef idx="2">
+                <a:schemeClr val="accent1">
+                  <a:shade val="50000"/>
+                </a:schemeClr>
+              </a:lnRef>
+              <a:fillRef idx="1">
+                <a:schemeClr val="accent1"/>
+              </a:fillRef>
+              <a:effectRef idx="0">
+                <a:schemeClr val="accent1"/>
+              </a:effectRef>
+              <a:fontRef idx="minor">
+                <a:schemeClr val="lt1"/>
+              </a:fontRef>
+            </p:style>
+            <p:txBody>
+              <a:bodyPr rtlCol="0" anchor="ctr"/>
+              <a:lstStyle/>
+              <a:p>
+                <a:pPr algn="ctr"/>
+                <a:r>
+                  <a:rPr lang="en-US" altLang="ja-JP" sz="1400" b="1" smtClean="0">
+                    <a:solidFill>
+                      <a:schemeClr val="tx1"/>
+                    </a:solidFill>
+                    <a:latin typeface="游ゴシック" panose="020B0400000000000000" pitchFamily="50" charset="-128"/>
+                    <a:ea typeface="游ゴシック" panose="020B0400000000000000" pitchFamily="50" charset="-128"/>
+                  </a:rPr>
+                  <a:t>IPse</a:t>
+                </a:r>
+                <a:r>
+                  <a:rPr lang="en-US" altLang="ja-JP" sz="1400" b="1">
+                    <a:solidFill>
+                      <a:schemeClr val="tx1"/>
+                    </a:solidFill>
+                    <a:latin typeface="游ゴシック" panose="020B0400000000000000" pitchFamily="50" charset="-128"/>
+                    <a:ea typeface="游ゴシック" panose="020B0400000000000000" pitchFamily="50" charset="-128"/>
+                  </a:rPr>
+                  <a:t>c</a:t>
+                </a:r>
+                <a:endParaRPr kumimoji="1" lang="ja-JP" altLang="en-US" sz="1400" b="1">
+                  <a:solidFill>
+                    <a:schemeClr val="tx1"/>
+                  </a:solidFill>
+                  <a:latin typeface="游ゴシック" panose="020B0400000000000000" pitchFamily="50" charset="-128"/>
+                  <a:ea typeface="游ゴシック" panose="020B0400000000000000" pitchFamily="50" charset="-128"/>
+                </a:endParaRPr>
+              </a:p>
+            </p:txBody>
+          </p:sp>
         </p:grpSp>
       </p:grpSp>
     </p:spTree>
